--- a/MENU.pptx
+++ b/MENU.pptx
@@ -20,7 +20,8 @@
     <p:sldId id="272" r:id="rId14"/>
     <p:sldId id="267" r:id="rId15"/>
     <p:sldId id="274" r:id="rId16"/>
-    <p:sldId id="275" r:id="rId17"/>
+    <p:sldId id="276" r:id="rId17"/>
+    <p:sldId id="275" r:id="rId18"/>
   </p:sldIdLst>
   <p:sldSz cx="12192000" cy="6858000"/>
   <p:notesSz cx="6858000" cy="9144000"/>
@@ -169,10 +170,9 @@
           </a:lstStyle>
           <a:p>
             <a:r>
-              <a:rPr lang="pl-PL" smtClean="0"/>
+              <a:rPr lang="pl-PL"/>
               <a:t>Kliknij, aby edytować styl</a:t>
             </a:r>
-            <a:endParaRPr lang="pl-PL"/>
           </a:p>
         </p:txBody>
       </p:sp>
@@ -234,10 +234,9 @@
           </a:lstStyle>
           <a:p>
             <a:r>
-              <a:rPr lang="pl-PL" smtClean="0"/>
+              <a:rPr lang="pl-PL"/>
               <a:t>Kliknij, aby edytować styl wzorca podtytułu</a:t>
             </a:r>
-            <a:endParaRPr lang="pl-PL"/>
           </a:p>
         </p:txBody>
       </p:sp>
@@ -258,7 +257,7 @@
           <a:p>
             <a:fld id="{D2D0F6D0-F9CB-4867-9D58-EA6964551417}" type="datetimeFigureOut">
               <a:rPr lang="pl-PL" smtClean="0"/>
-              <a:t>15.01.2026</a:t>
+              <a:t>23.01.2026</a:t>
             </a:fld>
             <a:endParaRPr lang="pl-PL"/>
           </a:p>
@@ -352,10 +351,9 @@
           <a:lstStyle/>
           <a:p>
             <a:r>
-              <a:rPr lang="pl-PL" smtClean="0"/>
+              <a:rPr lang="pl-PL"/>
               <a:t>Kliknij, aby edytować styl</a:t>
             </a:r>
-            <a:endParaRPr lang="pl-PL"/>
           </a:p>
         </p:txBody>
       </p:sp>
@@ -376,38 +374,37 @@
           <a:p>
             <a:pPr lvl="0"/>
             <a:r>
-              <a:rPr lang="pl-PL" smtClean="0"/>
+              <a:rPr lang="pl-PL"/>
               <a:t>Kliknij, aby edytować style wzorca tekstu</a:t>
             </a:r>
           </a:p>
           <a:p>
             <a:pPr lvl="1"/>
             <a:r>
-              <a:rPr lang="pl-PL" smtClean="0"/>
+              <a:rPr lang="pl-PL"/>
               <a:t>Drugi poziom</a:t>
             </a:r>
           </a:p>
           <a:p>
             <a:pPr lvl="2"/>
             <a:r>
-              <a:rPr lang="pl-PL" smtClean="0"/>
+              <a:rPr lang="pl-PL"/>
               <a:t>Trzeci poziom</a:t>
             </a:r>
           </a:p>
           <a:p>
             <a:pPr lvl="3"/>
             <a:r>
-              <a:rPr lang="pl-PL" smtClean="0"/>
+              <a:rPr lang="pl-PL"/>
               <a:t>Czwarty poziom</a:t>
             </a:r>
           </a:p>
           <a:p>
             <a:pPr lvl="4"/>
             <a:r>
-              <a:rPr lang="pl-PL" smtClean="0"/>
+              <a:rPr lang="pl-PL"/>
               <a:t>Piąty poziom</a:t>
             </a:r>
-            <a:endParaRPr lang="pl-PL"/>
           </a:p>
         </p:txBody>
       </p:sp>
@@ -428,7 +425,7 @@
           <a:p>
             <a:fld id="{D2D0F6D0-F9CB-4867-9D58-EA6964551417}" type="datetimeFigureOut">
               <a:rPr lang="pl-PL" smtClean="0"/>
-              <a:t>15.01.2026</a:t>
+              <a:t>23.01.2026</a:t>
             </a:fld>
             <a:endParaRPr lang="pl-PL"/>
           </a:p>
@@ -527,10 +524,9 @@
           <a:lstStyle/>
           <a:p>
             <a:r>
-              <a:rPr lang="pl-PL" smtClean="0"/>
+              <a:rPr lang="pl-PL"/>
               <a:t>Kliknij, aby edytować styl</a:t>
             </a:r>
-            <a:endParaRPr lang="pl-PL"/>
           </a:p>
         </p:txBody>
       </p:sp>
@@ -556,38 +552,37 @@
           <a:p>
             <a:pPr lvl="0"/>
             <a:r>
-              <a:rPr lang="pl-PL" smtClean="0"/>
+              <a:rPr lang="pl-PL"/>
               <a:t>Kliknij, aby edytować style wzorca tekstu</a:t>
             </a:r>
           </a:p>
           <a:p>
             <a:pPr lvl="1"/>
             <a:r>
-              <a:rPr lang="pl-PL" smtClean="0"/>
+              <a:rPr lang="pl-PL"/>
               <a:t>Drugi poziom</a:t>
             </a:r>
           </a:p>
           <a:p>
             <a:pPr lvl="2"/>
             <a:r>
-              <a:rPr lang="pl-PL" smtClean="0"/>
+              <a:rPr lang="pl-PL"/>
               <a:t>Trzeci poziom</a:t>
             </a:r>
           </a:p>
           <a:p>
             <a:pPr lvl="3"/>
             <a:r>
-              <a:rPr lang="pl-PL" smtClean="0"/>
+              <a:rPr lang="pl-PL"/>
               <a:t>Czwarty poziom</a:t>
             </a:r>
           </a:p>
           <a:p>
             <a:pPr lvl="4"/>
             <a:r>
-              <a:rPr lang="pl-PL" smtClean="0"/>
+              <a:rPr lang="pl-PL"/>
               <a:t>Piąty poziom</a:t>
             </a:r>
-            <a:endParaRPr lang="pl-PL"/>
           </a:p>
         </p:txBody>
       </p:sp>
@@ -608,7 +603,7 @@
           <a:p>
             <a:fld id="{D2D0F6D0-F9CB-4867-9D58-EA6964551417}" type="datetimeFigureOut">
               <a:rPr lang="pl-PL" smtClean="0"/>
-              <a:t>15.01.2026</a:t>
+              <a:t>23.01.2026</a:t>
             </a:fld>
             <a:endParaRPr lang="pl-PL"/>
           </a:p>
@@ -702,10 +697,9 @@
           <a:lstStyle/>
           <a:p>
             <a:r>
-              <a:rPr lang="pl-PL" smtClean="0"/>
+              <a:rPr lang="pl-PL"/>
               <a:t>Kliknij, aby edytować styl</a:t>
             </a:r>
-            <a:endParaRPr lang="pl-PL"/>
           </a:p>
         </p:txBody>
       </p:sp>
@@ -726,38 +720,37 @@
           <a:p>
             <a:pPr lvl="0"/>
             <a:r>
-              <a:rPr lang="pl-PL" smtClean="0"/>
+              <a:rPr lang="pl-PL"/>
               <a:t>Kliknij, aby edytować style wzorca tekstu</a:t>
             </a:r>
           </a:p>
           <a:p>
             <a:pPr lvl="1"/>
             <a:r>
-              <a:rPr lang="pl-PL" smtClean="0"/>
+              <a:rPr lang="pl-PL"/>
               <a:t>Drugi poziom</a:t>
             </a:r>
           </a:p>
           <a:p>
             <a:pPr lvl="2"/>
             <a:r>
-              <a:rPr lang="pl-PL" smtClean="0"/>
+              <a:rPr lang="pl-PL"/>
               <a:t>Trzeci poziom</a:t>
             </a:r>
           </a:p>
           <a:p>
             <a:pPr lvl="3"/>
             <a:r>
-              <a:rPr lang="pl-PL" smtClean="0"/>
+              <a:rPr lang="pl-PL"/>
               <a:t>Czwarty poziom</a:t>
             </a:r>
           </a:p>
           <a:p>
             <a:pPr lvl="4"/>
             <a:r>
-              <a:rPr lang="pl-PL" smtClean="0"/>
+              <a:rPr lang="pl-PL"/>
               <a:t>Piąty poziom</a:t>
             </a:r>
-            <a:endParaRPr lang="pl-PL"/>
           </a:p>
         </p:txBody>
       </p:sp>
@@ -778,7 +771,7 @@
           <a:p>
             <a:fld id="{D2D0F6D0-F9CB-4867-9D58-EA6964551417}" type="datetimeFigureOut">
               <a:rPr lang="pl-PL" smtClean="0"/>
-              <a:t>15.01.2026</a:t>
+              <a:t>23.01.2026</a:t>
             </a:fld>
             <a:endParaRPr lang="pl-PL"/>
           </a:p>
@@ -881,10 +874,9 @@
           </a:lstStyle>
           <a:p>
             <a:r>
-              <a:rPr lang="pl-PL" smtClean="0"/>
+              <a:rPr lang="pl-PL"/>
               <a:t>Kliknij, aby edytować styl</a:t>
             </a:r>
-            <a:endParaRPr lang="pl-PL"/>
           </a:p>
         </p:txBody>
       </p:sp>
@@ -1001,7 +993,7 @@
           <a:p>
             <a:pPr lvl="0"/>
             <a:r>
-              <a:rPr lang="pl-PL" smtClean="0"/>
+              <a:rPr lang="pl-PL"/>
               <a:t>Kliknij, aby edytować style wzorca tekstu</a:t>
             </a:r>
           </a:p>
@@ -1024,7 +1016,7 @@
           <a:p>
             <a:fld id="{D2D0F6D0-F9CB-4867-9D58-EA6964551417}" type="datetimeFigureOut">
               <a:rPr lang="pl-PL" smtClean="0"/>
-              <a:t>15.01.2026</a:t>
+              <a:t>23.01.2026</a:t>
             </a:fld>
             <a:endParaRPr lang="pl-PL"/>
           </a:p>
@@ -1118,10 +1110,9 @@
           <a:lstStyle/>
           <a:p>
             <a:r>
-              <a:rPr lang="pl-PL" smtClean="0"/>
+              <a:rPr lang="pl-PL"/>
               <a:t>Kliknij, aby edytować styl</a:t>
             </a:r>
-            <a:endParaRPr lang="pl-PL"/>
           </a:p>
         </p:txBody>
       </p:sp>
@@ -1147,38 +1138,37 @@
           <a:p>
             <a:pPr lvl="0"/>
             <a:r>
-              <a:rPr lang="pl-PL" smtClean="0"/>
+              <a:rPr lang="pl-PL"/>
               <a:t>Kliknij, aby edytować style wzorca tekstu</a:t>
             </a:r>
           </a:p>
           <a:p>
             <a:pPr lvl="1"/>
             <a:r>
-              <a:rPr lang="pl-PL" smtClean="0"/>
+              <a:rPr lang="pl-PL"/>
               <a:t>Drugi poziom</a:t>
             </a:r>
           </a:p>
           <a:p>
             <a:pPr lvl="2"/>
             <a:r>
-              <a:rPr lang="pl-PL" smtClean="0"/>
+              <a:rPr lang="pl-PL"/>
               <a:t>Trzeci poziom</a:t>
             </a:r>
           </a:p>
           <a:p>
             <a:pPr lvl="3"/>
             <a:r>
-              <a:rPr lang="pl-PL" smtClean="0"/>
+              <a:rPr lang="pl-PL"/>
               <a:t>Czwarty poziom</a:t>
             </a:r>
           </a:p>
           <a:p>
             <a:pPr lvl="4"/>
             <a:r>
-              <a:rPr lang="pl-PL" smtClean="0"/>
+              <a:rPr lang="pl-PL"/>
               <a:t>Piąty poziom</a:t>
             </a:r>
-            <a:endParaRPr lang="pl-PL"/>
           </a:p>
         </p:txBody>
       </p:sp>
@@ -1204,38 +1194,37 @@
           <a:p>
             <a:pPr lvl="0"/>
             <a:r>
-              <a:rPr lang="pl-PL" smtClean="0"/>
+              <a:rPr lang="pl-PL"/>
               <a:t>Kliknij, aby edytować style wzorca tekstu</a:t>
             </a:r>
           </a:p>
           <a:p>
             <a:pPr lvl="1"/>
             <a:r>
-              <a:rPr lang="pl-PL" smtClean="0"/>
+              <a:rPr lang="pl-PL"/>
               <a:t>Drugi poziom</a:t>
             </a:r>
           </a:p>
           <a:p>
             <a:pPr lvl="2"/>
             <a:r>
-              <a:rPr lang="pl-PL" smtClean="0"/>
+              <a:rPr lang="pl-PL"/>
               <a:t>Trzeci poziom</a:t>
             </a:r>
           </a:p>
           <a:p>
             <a:pPr lvl="3"/>
             <a:r>
-              <a:rPr lang="pl-PL" smtClean="0"/>
+              <a:rPr lang="pl-PL"/>
               <a:t>Czwarty poziom</a:t>
             </a:r>
           </a:p>
           <a:p>
             <a:pPr lvl="4"/>
             <a:r>
-              <a:rPr lang="pl-PL" smtClean="0"/>
+              <a:rPr lang="pl-PL"/>
               <a:t>Piąty poziom</a:t>
             </a:r>
-            <a:endParaRPr lang="pl-PL"/>
           </a:p>
         </p:txBody>
       </p:sp>
@@ -1256,7 +1245,7 @@
           <a:p>
             <a:fld id="{D2D0F6D0-F9CB-4867-9D58-EA6964551417}" type="datetimeFigureOut">
               <a:rPr lang="pl-PL" smtClean="0"/>
-              <a:t>15.01.2026</a:t>
+              <a:t>23.01.2026</a:t>
             </a:fld>
             <a:endParaRPr lang="pl-PL"/>
           </a:p>
@@ -1355,10 +1344,9 @@
           <a:lstStyle/>
           <a:p>
             <a:r>
-              <a:rPr lang="pl-PL" smtClean="0"/>
+              <a:rPr lang="pl-PL"/>
               <a:t>Kliknij, aby edytować styl</a:t>
             </a:r>
-            <a:endParaRPr lang="pl-PL"/>
           </a:p>
         </p:txBody>
       </p:sp>
@@ -1421,7 +1409,7 @@
           <a:p>
             <a:pPr lvl="0"/>
             <a:r>
-              <a:rPr lang="pl-PL" smtClean="0"/>
+              <a:rPr lang="pl-PL"/>
               <a:t>Kliknij, aby edytować style wzorca tekstu</a:t>
             </a:r>
           </a:p>
@@ -1449,38 +1437,37 @@
           <a:p>
             <a:pPr lvl="0"/>
             <a:r>
-              <a:rPr lang="pl-PL" smtClean="0"/>
+              <a:rPr lang="pl-PL"/>
               <a:t>Kliknij, aby edytować style wzorca tekstu</a:t>
             </a:r>
           </a:p>
           <a:p>
             <a:pPr lvl="1"/>
             <a:r>
-              <a:rPr lang="pl-PL" smtClean="0"/>
+              <a:rPr lang="pl-PL"/>
               <a:t>Drugi poziom</a:t>
             </a:r>
           </a:p>
           <a:p>
             <a:pPr lvl="2"/>
             <a:r>
-              <a:rPr lang="pl-PL" smtClean="0"/>
+              <a:rPr lang="pl-PL"/>
               <a:t>Trzeci poziom</a:t>
             </a:r>
           </a:p>
           <a:p>
             <a:pPr lvl="3"/>
             <a:r>
-              <a:rPr lang="pl-PL" smtClean="0"/>
+              <a:rPr lang="pl-PL"/>
               <a:t>Czwarty poziom</a:t>
             </a:r>
           </a:p>
           <a:p>
             <a:pPr lvl="4"/>
             <a:r>
-              <a:rPr lang="pl-PL" smtClean="0"/>
+              <a:rPr lang="pl-PL"/>
               <a:t>Piąty poziom</a:t>
             </a:r>
-            <a:endParaRPr lang="pl-PL"/>
           </a:p>
         </p:txBody>
       </p:sp>
@@ -1543,7 +1530,7 @@
           <a:p>
             <a:pPr lvl="0"/>
             <a:r>
-              <a:rPr lang="pl-PL" smtClean="0"/>
+              <a:rPr lang="pl-PL"/>
               <a:t>Kliknij, aby edytować style wzorca tekstu</a:t>
             </a:r>
           </a:p>
@@ -1571,38 +1558,37 @@
           <a:p>
             <a:pPr lvl="0"/>
             <a:r>
-              <a:rPr lang="pl-PL" smtClean="0"/>
+              <a:rPr lang="pl-PL"/>
               <a:t>Kliknij, aby edytować style wzorca tekstu</a:t>
             </a:r>
           </a:p>
           <a:p>
             <a:pPr lvl="1"/>
             <a:r>
-              <a:rPr lang="pl-PL" smtClean="0"/>
+              <a:rPr lang="pl-PL"/>
               <a:t>Drugi poziom</a:t>
             </a:r>
           </a:p>
           <a:p>
             <a:pPr lvl="2"/>
             <a:r>
-              <a:rPr lang="pl-PL" smtClean="0"/>
+              <a:rPr lang="pl-PL"/>
               <a:t>Trzeci poziom</a:t>
             </a:r>
           </a:p>
           <a:p>
             <a:pPr lvl="3"/>
             <a:r>
-              <a:rPr lang="pl-PL" smtClean="0"/>
+              <a:rPr lang="pl-PL"/>
               <a:t>Czwarty poziom</a:t>
             </a:r>
           </a:p>
           <a:p>
             <a:pPr lvl="4"/>
             <a:r>
-              <a:rPr lang="pl-PL" smtClean="0"/>
+              <a:rPr lang="pl-PL"/>
               <a:t>Piąty poziom</a:t>
             </a:r>
-            <a:endParaRPr lang="pl-PL"/>
           </a:p>
         </p:txBody>
       </p:sp>
@@ -1623,7 +1609,7 @@
           <a:p>
             <a:fld id="{D2D0F6D0-F9CB-4867-9D58-EA6964551417}" type="datetimeFigureOut">
               <a:rPr lang="pl-PL" smtClean="0"/>
-              <a:t>15.01.2026</a:t>
+              <a:t>23.01.2026</a:t>
             </a:fld>
             <a:endParaRPr lang="pl-PL"/>
           </a:p>
@@ -1717,10 +1703,9 @@
           <a:lstStyle/>
           <a:p>
             <a:r>
-              <a:rPr lang="pl-PL" smtClean="0"/>
+              <a:rPr lang="pl-PL"/>
               <a:t>Kliknij, aby edytować styl</a:t>
             </a:r>
-            <a:endParaRPr lang="pl-PL"/>
           </a:p>
         </p:txBody>
       </p:sp>
@@ -1741,7 +1726,7 @@
           <a:p>
             <a:fld id="{D2D0F6D0-F9CB-4867-9D58-EA6964551417}" type="datetimeFigureOut">
               <a:rPr lang="pl-PL" smtClean="0"/>
-              <a:t>15.01.2026</a:t>
+              <a:t>23.01.2026</a:t>
             </a:fld>
             <a:endParaRPr lang="pl-PL"/>
           </a:p>
@@ -1836,7 +1821,7 @@
           <a:p>
             <a:fld id="{D2D0F6D0-F9CB-4867-9D58-EA6964551417}" type="datetimeFigureOut">
               <a:rPr lang="pl-PL" smtClean="0"/>
-              <a:t>15.01.2026</a:t>
+              <a:t>23.01.2026</a:t>
             </a:fld>
             <a:endParaRPr lang="pl-PL"/>
           </a:p>
@@ -1939,10 +1924,9 @@
           </a:lstStyle>
           <a:p>
             <a:r>
-              <a:rPr lang="pl-PL" smtClean="0"/>
+              <a:rPr lang="pl-PL"/>
               <a:t>Kliknij, aby edytować styl</a:t>
             </a:r>
-            <a:endParaRPr lang="pl-PL"/>
           </a:p>
         </p:txBody>
       </p:sp>
@@ -1996,38 +1980,37 @@
           <a:p>
             <a:pPr lvl="0"/>
             <a:r>
-              <a:rPr lang="pl-PL" smtClean="0"/>
+              <a:rPr lang="pl-PL"/>
               <a:t>Kliknij, aby edytować style wzorca tekstu</a:t>
             </a:r>
           </a:p>
           <a:p>
             <a:pPr lvl="1"/>
             <a:r>
-              <a:rPr lang="pl-PL" smtClean="0"/>
+              <a:rPr lang="pl-PL"/>
               <a:t>Drugi poziom</a:t>
             </a:r>
           </a:p>
           <a:p>
             <a:pPr lvl="2"/>
             <a:r>
-              <a:rPr lang="pl-PL" smtClean="0"/>
+              <a:rPr lang="pl-PL"/>
               <a:t>Trzeci poziom</a:t>
             </a:r>
           </a:p>
           <a:p>
             <a:pPr lvl="3"/>
             <a:r>
-              <a:rPr lang="pl-PL" smtClean="0"/>
+              <a:rPr lang="pl-PL"/>
               <a:t>Czwarty poziom</a:t>
             </a:r>
           </a:p>
           <a:p>
             <a:pPr lvl="4"/>
             <a:r>
-              <a:rPr lang="pl-PL" smtClean="0"/>
+              <a:rPr lang="pl-PL"/>
               <a:t>Piąty poziom</a:t>
             </a:r>
-            <a:endParaRPr lang="pl-PL"/>
           </a:p>
         </p:txBody>
       </p:sp>
@@ -2090,7 +2073,7 @@
           <a:p>
             <a:pPr lvl="0"/>
             <a:r>
-              <a:rPr lang="pl-PL" smtClean="0"/>
+              <a:rPr lang="pl-PL"/>
               <a:t>Kliknij, aby edytować style wzorca tekstu</a:t>
             </a:r>
           </a:p>
@@ -2113,7 +2096,7 @@
           <a:p>
             <a:fld id="{D2D0F6D0-F9CB-4867-9D58-EA6964551417}" type="datetimeFigureOut">
               <a:rPr lang="pl-PL" smtClean="0"/>
-              <a:t>15.01.2026</a:t>
+              <a:t>23.01.2026</a:t>
             </a:fld>
             <a:endParaRPr lang="pl-PL"/>
           </a:p>
@@ -2216,10 +2199,9 @@
           </a:lstStyle>
           <a:p>
             <a:r>
-              <a:rPr lang="pl-PL" smtClean="0"/>
+              <a:rPr lang="pl-PL"/>
               <a:t>Kliknij, aby edytować styl</a:t>
             </a:r>
-            <a:endParaRPr lang="pl-PL"/>
           </a:p>
         </p:txBody>
       </p:sp>
@@ -2343,7 +2325,7 @@
           <a:p>
             <a:pPr lvl="0"/>
             <a:r>
-              <a:rPr lang="pl-PL" smtClean="0"/>
+              <a:rPr lang="pl-PL"/>
               <a:t>Kliknij, aby edytować style wzorca tekstu</a:t>
             </a:r>
           </a:p>
@@ -2366,7 +2348,7 @@
           <a:p>
             <a:fld id="{D2D0F6D0-F9CB-4867-9D58-EA6964551417}" type="datetimeFigureOut">
               <a:rPr lang="pl-PL" smtClean="0"/>
-              <a:t>15.01.2026</a:t>
+              <a:t>23.01.2026</a:t>
             </a:fld>
             <a:endParaRPr lang="pl-PL"/>
           </a:p>
@@ -2475,10 +2457,9 @@
           <a:lstStyle/>
           <a:p>
             <a:r>
-              <a:rPr lang="pl-PL" smtClean="0"/>
+              <a:rPr lang="pl-PL"/>
               <a:t>Kliknij, aby edytować styl</a:t>
             </a:r>
-            <a:endParaRPr lang="pl-PL"/>
           </a:p>
         </p:txBody>
       </p:sp>
@@ -2509,38 +2490,37 @@
           <a:p>
             <a:pPr lvl="0"/>
             <a:r>
-              <a:rPr lang="pl-PL" smtClean="0"/>
+              <a:rPr lang="pl-PL"/>
               <a:t>Kliknij, aby edytować style wzorca tekstu</a:t>
             </a:r>
           </a:p>
           <a:p>
             <a:pPr lvl="1"/>
             <a:r>
-              <a:rPr lang="pl-PL" smtClean="0"/>
+              <a:rPr lang="pl-PL"/>
               <a:t>Drugi poziom</a:t>
             </a:r>
           </a:p>
           <a:p>
             <a:pPr lvl="2"/>
             <a:r>
-              <a:rPr lang="pl-PL" smtClean="0"/>
+              <a:rPr lang="pl-PL"/>
               <a:t>Trzeci poziom</a:t>
             </a:r>
           </a:p>
           <a:p>
             <a:pPr lvl="3"/>
             <a:r>
-              <a:rPr lang="pl-PL" smtClean="0"/>
+              <a:rPr lang="pl-PL"/>
               <a:t>Czwarty poziom</a:t>
             </a:r>
           </a:p>
           <a:p>
             <a:pPr lvl="4"/>
             <a:r>
-              <a:rPr lang="pl-PL" smtClean="0"/>
+              <a:rPr lang="pl-PL"/>
               <a:t>Piąty poziom</a:t>
             </a:r>
-            <a:endParaRPr lang="pl-PL"/>
           </a:p>
         </p:txBody>
       </p:sp>
@@ -2579,7 +2559,7 @@
           <a:p>
             <a:fld id="{D2D0F6D0-F9CB-4867-9D58-EA6964551417}" type="datetimeFigureOut">
               <a:rPr lang="pl-PL" smtClean="0"/>
-              <a:t>15.01.2026</a:t>
+              <a:t>23.01.2026</a:t>
             </a:fld>
             <a:endParaRPr lang="pl-PL"/>
           </a:p>
@@ -3000,14 +2980,11 @@
           <a:lstStyle/>
           <a:p>
             <a:r>
-              <a:rPr lang="pl-PL" dirty="0" smtClean="0">
+              <a:rPr lang="pl-PL" dirty="0">
                 <a:latin typeface="Bahnschrift SemiBold SemiConden" panose="020B0502040204020203" pitchFamily="34" charset="0"/>
               </a:rPr>
               <a:t>MENU</a:t>
             </a:r>
-            <a:endParaRPr lang="pl-PL" dirty="0">
-              <a:latin typeface="Bahnschrift SemiBold SemiConden" panose="020B0502040204020203" pitchFamily="34" charset="0"/>
-            </a:endParaRPr>
           </a:p>
         </p:txBody>
       </p:sp>
@@ -3027,13 +3004,13 @@
           <a:lstStyle/>
           <a:p>
             <a:r>
-              <a:rPr lang="pl-PL" dirty="0" smtClean="0">
+              <a:rPr lang="pl-PL" dirty="0">
                 <a:latin typeface="Bahnschrift Light" panose="020B0502040204020203" pitchFamily="34" charset="0"/>
               </a:rPr>
               <a:t>Michał Żołdak, Jacek </a:t>
             </a:r>
             <a:r>
-              <a:rPr lang="pl-PL" dirty="0" err="1" smtClean="0">
+              <a:rPr lang="pl-PL" dirty="0" err="1">
                 <a:latin typeface="Bahnschrift Light" panose="020B0502040204020203" pitchFamily="34" charset="0"/>
               </a:rPr>
               <a:t>Drożdżowski</a:t>
@@ -3054,13 +3031,6 @@
   <p:clrMapOvr>
     <a:masterClrMapping/>
   </p:clrMapOvr>
-  <p:timing>
-    <p:tnLst>
-      <p:par>
-        <p:cTn id="1" dur="indefinite" restart="never" nodeType="tmRoot"/>
-      </p:par>
-    </p:tnLst>
-  </p:timing>
 </p:sld>
 </file>
 
@@ -3099,14 +3069,11 @@
           <a:lstStyle/>
           <a:p>
             <a:r>
-              <a:rPr lang="pl-PL" sz="4000" dirty="0" smtClean="0">
+              <a:rPr lang="pl-PL" sz="4000" dirty="0">
                 <a:latin typeface="Impact" panose="020B0806030902050204" pitchFamily="34" charset="0"/>
               </a:rPr>
               <a:t>Porównanie</a:t>
             </a:r>
-            <a:endParaRPr lang="pl-PL" sz="4000" dirty="0">
-              <a:latin typeface="Impact" panose="020B0806030902050204" pitchFamily="34" charset="0"/>
-            </a:endParaRPr>
           </a:p>
         </p:txBody>
       </p:sp>
@@ -3128,7 +3095,7 @@
           <a:lstStyle/>
           <a:p>
             <a:r>
-              <a:rPr lang="pl-PL" sz="4300" dirty="0" smtClean="0">
+              <a:rPr lang="pl-PL" sz="4300" dirty="0">
                 <a:latin typeface="Impact" panose="020B0806030902050204" pitchFamily="34" charset="0"/>
               </a:rPr>
               <a:t>Menu poziome:</a:t>
@@ -3137,94 +3104,94 @@
           <a:p>
             <a:pPr lvl="1"/>
             <a:r>
-              <a:rPr lang="pl-PL" dirty="0" smtClean="0"/>
+              <a:rPr lang="pl-PL" dirty="0"/>
               <a:t>Gdzie się używa</a:t>
             </a:r>
             <a:r>
-              <a:rPr lang="pl-PL" b="1" dirty="0" smtClean="0"/>
+              <a:rPr lang="pl-PL" b="1" dirty="0"/>
               <a:t>:</a:t>
             </a:r>
-            <a:endParaRPr lang="pl-PL" dirty="0" smtClean="0"/>
+            <a:endParaRPr lang="pl-PL" dirty="0"/>
           </a:p>
           <a:p>
             <a:pPr lvl="2"/>
             <a:r>
-              <a:rPr lang="pl-PL" dirty="0" smtClean="0"/>
+              <a:rPr lang="pl-PL" dirty="0"/>
               <a:t>strony firmowe</a:t>
             </a:r>
           </a:p>
           <a:p>
             <a:pPr lvl="2"/>
             <a:r>
-              <a:rPr lang="pl-PL" dirty="0" smtClean="0"/>
+              <a:rPr lang="pl-PL" dirty="0"/>
               <a:t>blogi</a:t>
             </a:r>
           </a:p>
           <a:p>
             <a:pPr lvl="2"/>
             <a:r>
-              <a:rPr lang="pl-PL" dirty="0" smtClean="0"/>
+              <a:rPr lang="pl-PL" dirty="0"/>
               <a:t>strony wizytówki</a:t>
             </a:r>
           </a:p>
           <a:p>
             <a:pPr lvl="2"/>
             <a:r>
-              <a:rPr lang="pl-PL" dirty="0" smtClean="0"/>
+              <a:rPr lang="pl-PL" dirty="0"/>
               <a:t>sklepy internetowe (główna nawigacja)</a:t>
             </a:r>
           </a:p>
           <a:p>
             <a:pPr lvl="1"/>
             <a:r>
-              <a:rPr lang="pl-PL" dirty="0" smtClean="0"/>
+              <a:rPr lang="pl-PL" dirty="0"/>
               <a:t>Charakterystyka:</a:t>
             </a:r>
           </a:p>
           <a:p>
             <a:pPr lvl="2"/>
             <a:r>
-              <a:rPr lang="pl-PL" dirty="0" smtClean="0"/>
+              <a:rPr lang="pl-PL" dirty="0"/>
               <a:t>ułożone w jednym wierszu</a:t>
             </a:r>
           </a:p>
           <a:p>
             <a:pPr lvl="2"/>
             <a:r>
-              <a:rPr lang="pl-PL" dirty="0" smtClean="0"/>
+              <a:rPr lang="pl-PL" dirty="0"/>
               <a:t>najczęściej na górze strony</a:t>
             </a:r>
           </a:p>
           <a:p>
             <a:pPr lvl="2"/>
             <a:r>
-              <a:rPr lang="pl-PL" dirty="0" smtClean="0"/>
+              <a:rPr lang="pl-PL" dirty="0"/>
               <a:t>przejrzyste i intuicyjne</a:t>
             </a:r>
           </a:p>
           <a:p>
             <a:pPr lvl="1"/>
             <a:r>
-              <a:rPr lang="pl-PL" dirty="0" smtClean="0"/>
+              <a:rPr lang="pl-PL" dirty="0"/>
               <a:t>Kiedy wybrać:</a:t>
             </a:r>
           </a:p>
           <a:p>
             <a:pPr lvl="2"/>
             <a:r>
-              <a:rPr lang="pl-PL" dirty="0" smtClean="0"/>
+              <a:rPr lang="pl-PL" dirty="0"/>
               <a:t>gdy jest mało kategorii</a:t>
             </a:r>
           </a:p>
           <a:p>
             <a:pPr lvl="2"/>
             <a:r>
-              <a:rPr lang="pl-PL" dirty="0" smtClean="0"/>
+              <a:rPr lang="pl-PL" dirty="0"/>
               <a:t>gdy zależy nam na prostocie i estetyce</a:t>
             </a:r>
           </a:p>
           <a:p>
-            <a:endParaRPr lang="pl-PL" dirty="0" smtClean="0"/>
+            <a:endParaRPr lang="pl-PL" dirty="0"/>
           </a:p>
           <a:p>
             <a:endParaRPr lang="pl-PL" dirty="0"/>
@@ -3249,7 +3216,7 @@
           <a:lstStyle/>
           <a:p>
             <a:r>
-              <a:rPr lang="pl-PL" sz="4300" dirty="0" smtClean="0">
+              <a:rPr lang="pl-PL" sz="4300" dirty="0">
                 <a:latin typeface="Impact" panose="020B0806030902050204" pitchFamily="34" charset="0"/>
               </a:rPr>
               <a:t>Menu pionowe:</a:t>
@@ -3258,69 +3225,69 @@
           <a:p>
             <a:pPr lvl="1"/>
             <a:r>
-              <a:rPr lang="pl-PL" dirty="0" smtClean="0"/>
+              <a:rPr lang="pl-PL" dirty="0"/>
               <a:t>Gdzie się używa</a:t>
             </a:r>
             <a:r>
-              <a:rPr lang="pl-PL" b="1" dirty="0" smtClean="0"/>
+              <a:rPr lang="pl-PL" b="1" dirty="0"/>
               <a:t>:</a:t>
             </a:r>
-            <a:endParaRPr lang="pl-PL" dirty="0" smtClean="0"/>
+            <a:endParaRPr lang="pl-PL" dirty="0"/>
           </a:p>
           <a:p>
             <a:pPr lvl="2"/>
             <a:r>
-              <a:rPr lang="pl-PL" dirty="0" smtClean="0"/>
+              <a:rPr lang="pl-PL" dirty="0"/>
               <a:t>Panele administracyjne</a:t>
             </a:r>
           </a:p>
           <a:p>
             <a:pPr lvl="2"/>
             <a:r>
-              <a:rPr lang="pl-PL" dirty="0" smtClean="0"/>
+              <a:rPr lang="pl-PL" dirty="0"/>
               <a:t>Aplikacje webowe</a:t>
             </a:r>
           </a:p>
           <a:p>
             <a:pPr lvl="2"/>
             <a:r>
-              <a:rPr lang="pl-PL" dirty="0" err="1" smtClean="0"/>
+              <a:rPr lang="pl-PL" dirty="0" err="1"/>
               <a:t>dashboardy</a:t>
             </a:r>
-            <a:endParaRPr lang="pl-PL" dirty="0" smtClean="0"/>
+            <a:endParaRPr lang="pl-PL" dirty="0"/>
           </a:p>
           <a:p>
             <a:pPr lvl="1"/>
             <a:r>
-              <a:rPr lang="pl-PL" dirty="0" smtClean="0"/>
+              <a:rPr lang="pl-PL" dirty="0"/>
               <a:t>Charakterystyka:</a:t>
             </a:r>
           </a:p>
           <a:p>
             <a:pPr lvl="2"/>
             <a:r>
-              <a:rPr lang="pl-PL" dirty="0" smtClean="0"/>
+              <a:rPr lang="pl-PL" dirty="0"/>
               <a:t>ułożone w kolumnie</a:t>
             </a:r>
           </a:p>
           <a:p>
             <a:pPr lvl="2"/>
             <a:r>
-              <a:rPr lang="pl-PL" dirty="0" smtClean="0"/>
+              <a:rPr lang="pl-PL" dirty="0"/>
               <a:t>najczęściej na boku strony</a:t>
             </a:r>
           </a:p>
           <a:p>
             <a:pPr lvl="2"/>
             <a:r>
-              <a:rPr lang="pl-PL" dirty="0" smtClean="0"/>
+              <a:rPr lang="pl-PL" dirty="0"/>
               <a:t>Umożliwia dużą liczbę linków</a:t>
             </a:r>
           </a:p>
           <a:p>
             <a:pPr lvl="1"/>
             <a:r>
-              <a:rPr lang="pl-PL" dirty="0" smtClean="0"/>
+              <a:rPr lang="pl-PL" dirty="0"/>
               <a:t>Kiedy wybrać:</a:t>
             </a:r>
           </a:p>
@@ -3328,17 +3295,13 @@
             <a:pPr lvl="2"/>
             <a:r>
               <a:rPr lang="pl-PL" dirty="0"/>
-              <a:t>G</a:t>
-            </a:r>
-            <a:r>
-              <a:rPr lang="pl-PL" dirty="0" smtClean="0"/>
-              <a:t>dy strona ma rozbudowaną strukturę</a:t>
+              <a:t>Gdy strona ma rozbudowaną strukturę</a:t>
             </a:r>
           </a:p>
           <a:p>
             <a:pPr lvl="2"/>
             <a:r>
-              <a:rPr lang="pl-PL" dirty="0" smtClean="0"/>
+              <a:rPr lang="pl-PL" dirty="0"/>
               <a:t>Gdy potrzebne jest stałe menu boczne</a:t>
             </a:r>
           </a:p>
@@ -3362,13 +3325,6 @@
   <p:clrMapOvr>
     <a:masterClrMapping/>
   </p:clrMapOvr>
-  <p:timing>
-    <p:tnLst>
-      <p:par>
-        <p:cTn id="1" dur="indefinite" restart="never" nodeType="tmRoot"/>
-      </p:par>
-    </p:tnLst>
-  </p:timing>
 </p:sld>
 </file>
 
@@ -3407,14 +3363,11 @@
           <a:lstStyle/>
           <a:p>
             <a:r>
-              <a:rPr lang="pl-PL" sz="4000" dirty="0" smtClean="0">
+              <a:rPr lang="pl-PL" sz="4000" dirty="0">
                 <a:latin typeface="Impact" panose="020B0806030902050204" pitchFamily="34" charset="0"/>
               </a:rPr>
               <a:t>Menu wielopoziomowe</a:t>
             </a:r>
-            <a:endParaRPr lang="pl-PL" sz="4000" dirty="0">
-              <a:latin typeface="Impact" panose="020B0806030902050204" pitchFamily="34" charset="0"/>
-            </a:endParaRPr>
           </a:p>
         </p:txBody>
       </p:sp>
@@ -3440,7 +3393,7 @@
               <a:buChar char="v"/>
             </a:pPr>
             <a:r>
-              <a:rPr lang="pl-PL" sz="2400" dirty="0" smtClean="0"/>
+              <a:rPr lang="pl-PL" sz="2400" dirty="0"/>
               <a:t>Menu z Podmenu</a:t>
             </a:r>
           </a:p>
@@ -3450,7 +3403,7 @@
               <a:buChar char="v"/>
             </a:pPr>
             <a:r>
-              <a:rPr lang="pl-PL" sz="2400" dirty="0" smtClean="0"/>
+              <a:rPr lang="pl-PL" sz="2400" dirty="0"/>
               <a:t>Elementy rozwijane po najechaniu lub kliknięciu</a:t>
             </a:r>
           </a:p>
@@ -3460,10 +3413,10 @@
               <a:buChar char="v"/>
             </a:pPr>
             <a:r>
-              <a:rPr lang="pl-PL" sz="2400" dirty="0" err="1" smtClean="0"/>
+              <a:rPr lang="pl-PL" sz="2400" dirty="0" err="1"/>
               <a:t>Dropdown</a:t>
             </a:r>
-            <a:endParaRPr lang="pl-PL" sz="2400" dirty="0" smtClean="0"/>
+            <a:endParaRPr lang="pl-PL" sz="2400" dirty="0"/>
           </a:p>
           <a:p>
             <a:pPr>
@@ -3471,7 +3424,7 @@
               <a:buChar char="v"/>
             </a:pPr>
             <a:r>
-              <a:rPr lang="pl-PL" sz="2400" dirty="0" smtClean="0"/>
+              <a:rPr lang="pl-PL" sz="2400" dirty="0"/>
               <a:t>Zalety:</a:t>
             </a:r>
           </a:p>
@@ -3481,7 +3434,7 @@
               <a:buChar char="Ø"/>
             </a:pPr>
             <a:r>
-              <a:rPr lang="pl-PL" sz="1600" dirty="0" smtClean="0"/>
+              <a:rPr lang="pl-PL" sz="1600" dirty="0"/>
               <a:t>Dobra organizacja treści</a:t>
             </a:r>
           </a:p>
@@ -3491,7 +3444,7 @@
               <a:buChar char="Ø"/>
             </a:pPr>
             <a:r>
-              <a:rPr lang="pl-PL" sz="1600" dirty="0" smtClean="0"/>
+              <a:rPr lang="pl-PL" sz="1600" dirty="0"/>
               <a:t>Możliwość rozbudowanej nawigacji</a:t>
             </a:r>
           </a:p>
@@ -3501,7 +3454,7 @@
               <a:buChar char="v"/>
             </a:pPr>
             <a:r>
-              <a:rPr lang="pl-PL" sz="2400" dirty="0" smtClean="0"/>
+              <a:rPr lang="pl-PL" sz="2400" dirty="0"/>
               <a:t>Wady:</a:t>
             </a:r>
           </a:p>
@@ -3511,7 +3464,7 @@
               <a:buChar char="Ø"/>
             </a:pPr>
             <a:r>
-              <a:rPr lang="pl-PL" sz="1600" dirty="0" smtClean="0"/>
+              <a:rPr lang="pl-PL" sz="1600" dirty="0"/>
               <a:t>Trudniejsze w wykonaniu</a:t>
             </a:r>
           </a:p>
@@ -3521,7 +3474,7 @@
               <a:buChar char="Ø"/>
             </a:pPr>
             <a:r>
-              <a:rPr lang="pl-PL" sz="1600" dirty="0" smtClean="0"/>
+              <a:rPr lang="pl-PL" sz="1600" dirty="0"/>
               <a:t>Może być nieczytelne z nieodpowiednimi stylami</a:t>
             </a:r>
             <a:endParaRPr lang="pl-PL" sz="2000" dirty="0"/>
@@ -3531,7 +3484,7 @@
               <a:buFont typeface="Wingdings" panose="05000000000000000000" pitchFamily="2" charset="2"/>
               <a:buChar char="Ø"/>
             </a:pPr>
-            <a:endParaRPr lang="pl-PL" sz="1600" dirty="0" smtClean="0"/>
+            <a:endParaRPr lang="pl-PL" sz="1600" dirty="0"/>
           </a:p>
         </p:txBody>
       </p:sp>
@@ -3545,13 +3498,6 @@
   <p:clrMapOvr>
     <a:masterClrMapping/>
   </p:clrMapOvr>
-  <p:timing>
-    <p:tnLst>
-      <p:par>
-        <p:cTn id="1" dur="indefinite" restart="never" nodeType="tmRoot"/>
-      </p:par>
-    </p:tnLst>
-  </p:timing>
 </p:sld>
 </file>
 
@@ -3590,14 +3536,11 @@
           <a:lstStyle/>
           <a:p>
             <a:r>
-              <a:rPr lang="pl-PL" sz="4000" dirty="0" smtClean="0">
+              <a:rPr lang="pl-PL" sz="4000" dirty="0">
                 <a:latin typeface="Impact" panose="020B0806030902050204" pitchFamily="34" charset="0"/>
               </a:rPr>
               <a:t>Jak tworzyć menu wielopoziomowe?</a:t>
             </a:r>
-            <a:endParaRPr lang="pl-PL" sz="4000" dirty="0">
-              <a:latin typeface="Impact" panose="020B0806030902050204" pitchFamily="34" charset="0"/>
-            </a:endParaRPr>
           </a:p>
         </p:txBody>
       </p:sp>
@@ -3623,29 +3566,29 @@
               <a:buAutoNum type="arabicPeriod"/>
             </a:pPr>
             <a:r>
-              <a:rPr lang="pl-PL" dirty="0" smtClean="0"/>
+              <a:rPr lang="pl-PL" dirty="0"/>
               <a:t>Struktura HTML</a:t>
             </a:r>
           </a:p>
           <a:p>
             <a:pPr lvl="1"/>
             <a:r>
-              <a:rPr lang="pl-PL" dirty="0" smtClean="0"/>
+              <a:rPr lang="pl-PL" dirty="0"/>
               <a:t>Użycie &lt;</a:t>
             </a:r>
             <a:r>
-              <a:rPr lang="pl-PL" dirty="0" err="1" smtClean="0"/>
+              <a:rPr lang="pl-PL" dirty="0" err="1"/>
               <a:t>nav</a:t>
             </a:r>
             <a:r>
-              <a:rPr lang="pl-PL" dirty="0" smtClean="0"/>
+              <a:rPr lang="pl-PL" dirty="0"/>
               <a:t>&gt;, &lt;ul&gt; oraz &lt;li&gt;</a:t>
             </a:r>
           </a:p>
           <a:p>
             <a:pPr lvl="1"/>
             <a:r>
-              <a:rPr lang="pl-PL" dirty="0" smtClean="0"/>
+              <a:rPr lang="pl-PL" dirty="0"/>
               <a:t>Zagnieżdżanie list</a:t>
             </a:r>
           </a:p>
@@ -3655,53 +3598,53 @@
               <a:buAutoNum type="arabicPeriod"/>
             </a:pPr>
             <a:r>
-              <a:rPr lang="pl-PL" dirty="0" smtClean="0"/>
+              <a:rPr lang="pl-PL" dirty="0"/>
               <a:t>Style CSS</a:t>
             </a:r>
           </a:p>
           <a:p>
             <a:pPr lvl="1"/>
             <a:r>
-              <a:rPr lang="pl-PL" dirty="0" err="1" smtClean="0"/>
+              <a:rPr lang="pl-PL" dirty="0" err="1"/>
               <a:t>Flex</a:t>
             </a:r>
-            <a:endParaRPr lang="pl-PL" dirty="0" smtClean="0"/>
+            <a:endParaRPr lang="pl-PL" dirty="0"/>
           </a:p>
           <a:p>
             <a:pPr lvl="1"/>
             <a:r>
-              <a:rPr lang="pl-PL" dirty="0" err="1" smtClean="0"/>
+              <a:rPr lang="pl-PL" dirty="0" err="1"/>
               <a:t>Position</a:t>
             </a:r>
             <a:r>
-              <a:rPr lang="pl-PL" dirty="0" smtClean="0"/>
+              <a:rPr lang="pl-PL" dirty="0"/>
               <a:t> </a:t>
             </a:r>
             <a:r>
-              <a:rPr lang="pl-PL" dirty="0" err="1" smtClean="0"/>
+              <a:rPr lang="pl-PL" dirty="0" err="1"/>
               <a:t>relative</a:t>
             </a:r>
             <a:r>
-              <a:rPr lang="pl-PL" dirty="0" smtClean="0"/>
+              <a:rPr lang="pl-PL" dirty="0"/>
               <a:t> i </a:t>
             </a:r>
             <a:r>
-              <a:rPr lang="pl-PL" dirty="0" err="1" smtClean="0"/>
+              <a:rPr lang="pl-PL" dirty="0" err="1"/>
               <a:t>absolute</a:t>
             </a:r>
-            <a:endParaRPr lang="pl-PL" dirty="0" smtClean="0"/>
+            <a:endParaRPr lang="pl-PL" dirty="0"/>
           </a:p>
           <a:p>
             <a:pPr lvl="1"/>
             <a:r>
-              <a:rPr lang="pl-PL" dirty="0" smtClean="0"/>
+              <a:rPr lang="pl-PL" dirty="0"/>
               <a:t>Display </a:t>
             </a:r>
             <a:r>
-              <a:rPr lang="pl-PL" dirty="0" err="1" smtClean="0"/>
+              <a:rPr lang="pl-PL" dirty="0" err="1"/>
               <a:t>none</a:t>
             </a:r>
-            <a:endParaRPr lang="pl-PL" dirty="0" smtClean="0"/>
+            <a:endParaRPr lang="pl-PL" dirty="0"/>
           </a:p>
           <a:p>
             <a:pPr marL="514350" indent="-514350">
@@ -3709,40 +3652,40 @@
               <a:buAutoNum type="arabicPeriod"/>
             </a:pPr>
             <a:r>
-              <a:rPr lang="pl-PL" dirty="0" smtClean="0"/>
+              <a:rPr lang="pl-PL" dirty="0"/>
               <a:t>Interakcja</a:t>
             </a:r>
           </a:p>
           <a:p>
             <a:pPr lvl="1"/>
             <a:r>
-              <a:rPr lang="pl-PL" dirty="0" err="1" smtClean="0"/>
+              <a:rPr lang="pl-PL" dirty="0" err="1"/>
               <a:t>Hover</a:t>
             </a:r>
-            <a:endParaRPr lang="pl-PL" dirty="0" smtClean="0"/>
+            <a:endParaRPr lang="pl-PL" dirty="0"/>
           </a:p>
           <a:p>
             <a:pPr lvl="1"/>
             <a:r>
-              <a:rPr lang="pl-PL" dirty="0" err="1" smtClean="0"/>
+              <a:rPr lang="pl-PL" dirty="0" err="1"/>
               <a:t>Eventlistener</a:t>
             </a:r>
             <a:r>
-              <a:rPr lang="pl-PL" dirty="0" smtClean="0"/>
+              <a:rPr lang="pl-PL" dirty="0"/>
               <a:t> </a:t>
             </a:r>
             <a:r>
-              <a:rPr lang="pl-PL" dirty="0" err="1" smtClean="0"/>
+              <a:rPr lang="pl-PL" dirty="0" err="1"/>
               <a:t>javascript</a:t>
             </a:r>
-            <a:endParaRPr lang="pl-PL" dirty="0" smtClean="0"/>
+            <a:endParaRPr lang="pl-PL" dirty="0"/>
           </a:p>
           <a:p>
             <a:pPr marL="514350" indent="-514350">
               <a:buFont typeface="+mj-lt"/>
               <a:buAutoNum type="arabicPeriod"/>
             </a:pPr>
-            <a:endParaRPr lang="pl-PL" dirty="0" smtClean="0"/>
+            <a:endParaRPr lang="pl-PL" dirty="0"/>
           </a:p>
           <a:p>
             <a:pPr lvl="1"/>
@@ -3760,13 +3703,6 @@
   <p:clrMapOvr>
     <a:masterClrMapping/>
   </p:clrMapOvr>
-  <p:timing>
-    <p:tnLst>
-      <p:par>
-        <p:cTn id="1" dur="indefinite" restart="never" nodeType="tmRoot"/>
-      </p:par>
-    </p:tnLst>
-  </p:timing>
 </p:sld>
 </file>
 
@@ -3805,14 +3741,11 @@
           <a:lstStyle/>
           <a:p>
             <a:r>
-              <a:rPr lang="pl-PL" sz="4000" dirty="0" smtClean="0">
+              <a:rPr lang="pl-PL" sz="4000" dirty="0">
                 <a:latin typeface="Impact" panose="020B0806030902050204" pitchFamily="34" charset="0"/>
               </a:rPr>
               <a:t>Menu wielopoziomowe - ćwiczenie</a:t>
             </a:r>
-            <a:endParaRPr lang="pl-PL" sz="4000" dirty="0">
-              <a:latin typeface="Impact" panose="020B0806030902050204" pitchFamily="34" charset="0"/>
-            </a:endParaRPr>
           </a:p>
         </p:txBody>
       </p:sp>
@@ -3838,79 +3771,79 @@
               <a:buAutoNum type="arabicPeriod"/>
             </a:pPr>
             <a:r>
-              <a:rPr lang="pl-PL" dirty="0" smtClean="0"/>
+              <a:rPr lang="pl-PL" dirty="0"/>
               <a:t>Stwórz menu wielopoziomowe z linkami:</a:t>
             </a:r>
           </a:p>
           <a:p>
             <a:pPr lvl="1"/>
             <a:r>
-              <a:rPr lang="pl-PL" dirty="0" smtClean="0"/>
+              <a:rPr lang="pl-PL" dirty="0"/>
               <a:t>Strona</a:t>
             </a:r>
           </a:p>
           <a:p>
             <a:pPr lvl="1"/>
             <a:r>
-              <a:rPr lang="pl-PL" dirty="0" smtClean="0"/>
+              <a:rPr lang="pl-PL" dirty="0"/>
               <a:t>Oferta</a:t>
             </a:r>
           </a:p>
           <a:p>
             <a:pPr lvl="2"/>
             <a:r>
-              <a:rPr lang="pl-PL" dirty="0" smtClean="0"/>
+              <a:rPr lang="pl-PL" dirty="0"/>
               <a:t>Strony WWW</a:t>
             </a:r>
           </a:p>
           <a:p>
             <a:pPr lvl="2"/>
             <a:r>
-              <a:rPr lang="pl-PL" dirty="0" smtClean="0"/>
+              <a:rPr lang="pl-PL" dirty="0"/>
               <a:t>Hosting</a:t>
             </a:r>
           </a:p>
           <a:p>
             <a:pPr lvl="2"/>
             <a:r>
-              <a:rPr lang="pl-PL" dirty="0" smtClean="0"/>
+              <a:rPr lang="pl-PL" dirty="0"/>
               <a:t>Serwery</a:t>
             </a:r>
           </a:p>
           <a:p>
             <a:pPr lvl="2"/>
             <a:r>
-              <a:rPr lang="pl-PL" dirty="0" smtClean="0"/>
+              <a:rPr lang="pl-PL" dirty="0"/>
               <a:t>Bazy danych</a:t>
             </a:r>
           </a:p>
           <a:p>
             <a:pPr lvl="3"/>
             <a:r>
-              <a:rPr lang="pl-PL" dirty="0" err="1" smtClean="0"/>
+              <a:rPr lang="pl-PL" dirty="0" err="1"/>
               <a:t>MongoDB</a:t>
             </a:r>
-            <a:endParaRPr lang="pl-PL" dirty="0" smtClean="0"/>
+            <a:endParaRPr lang="pl-PL" dirty="0"/>
           </a:p>
           <a:p>
             <a:pPr lvl="3"/>
             <a:r>
-              <a:rPr lang="pl-PL" dirty="0" err="1" smtClean="0"/>
+              <a:rPr lang="pl-PL" dirty="0" err="1"/>
               <a:t>PostgreSQL</a:t>
             </a:r>
-            <a:endParaRPr lang="pl-PL" dirty="0" smtClean="0"/>
+            <a:endParaRPr lang="pl-PL" dirty="0"/>
           </a:p>
           <a:p>
             <a:pPr lvl="1"/>
             <a:r>
-              <a:rPr lang="pl-PL" dirty="0" smtClean="0"/>
+              <a:rPr lang="pl-PL" dirty="0"/>
               <a:t>Koszyk</a:t>
             </a:r>
           </a:p>
           <a:p>
             <a:pPr lvl="1"/>
             <a:r>
-              <a:rPr lang="pl-PL" dirty="0" smtClean="0"/>
+              <a:rPr lang="pl-PL" dirty="0"/>
               <a:t>Pomoc</a:t>
             </a:r>
           </a:p>
@@ -3920,7 +3853,7 @@
               <a:buAutoNum type="arabicPeriod"/>
             </a:pPr>
             <a:r>
-              <a:rPr lang="pl-PL" dirty="0" smtClean="0"/>
+              <a:rPr lang="pl-PL" dirty="0"/>
               <a:t>Menu na górze strony</a:t>
             </a:r>
           </a:p>
@@ -3930,7 +3863,7 @@
               <a:buAutoNum type="arabicPeriod"/>
             </a:pPr>
             <a:r>
-              <a:rPr lang="pl-PL" dirty="0" smtClean="0"/>
+              <a:rPr lang="pl-PL" dirty="0"/>
               <a:t>Każda osoba ma wybrać własny kolor tematyczny</a:t>
             </a:r>
           </a:p>
@@ -3940,14 +3873,14 @@
               <a:buAutoNum type="arabicPeriod"/>
             </a:pPr>
             <a:r>
-              <a:rPr lang="pl-PL" dirty="0" smtClean="0"/>
+              <a:rPr lang="pl-PL" dirty="0"/>
               <a:t>Znaczniki semantyczne </a:t>
             </a:r>
             <a:r>
-              <a:rPr lang="pl-PL" dirty="0" err="1" smtClean="0"/>
+              <a:rPr lang="pl-PL" dirty="0" err="1"/>
               <a:t>html</a:t>
             </a:r>
-            <a:endParaRPr lang="pl-PL" dirty="0" smtClean="0"/>
+            <a:endParaRPr lang="pl-PL" dirty="0"/>
           </a:p>
           <a:p>
             <a:pPr marL="514350" indent="-514350">
@@ -3955,7 +3888,7 @@
               <a:buAutoNum type="arabicPeriod"/>
             </a:pPr>
             <a:r>
-              <a:rPr lang="pl-PL" dirty="0" smtClean="0"/>
+              <a:rPr lang="pl-PL" dirty="0"/>
               <a:t>Podmenu pojawia się po najechaniu kursorem</a:t>
             </a:r>
           </a:p>
@@ -3965,7 +3898,7 @@
               <a:buAutoNum type="arabicPeriod"/>
             </a:pPr>
             <a:r>
-              <a:rPr lang="pl-PL" dirty="0" smtClean="0"/>
+              <a:rPr lang="pl-PL" dirty="0"/>
               <a:t>Menu ma mieć animację</a:t>
             </a:r>
           </a:p>
@@ -3981,13 +3914,6 @@
   <p:clrMapOvr>
     <a:masterClrMapping/>
   </p:clrMapOvr>
-  <p:timing>
-    <p:tnLst>
-      <p:par>
-        <p:cTn id="1" dur="indefinite" restart="never" nodeType="tmRoot"/>
-      </p:par>
-    </p:tnLst>
-  </p:timing>
 </p:sld>
 </file>
 
@@ -4026,14 +3952,11 @@
           <a:lstStyle/>
           <a:p>
             <a:r>
-              <a:rPr lang="pl-PL" sz="4000" dirty="0" smtClean="0">
+              <a:rPr lang="pl-PL" sz="4000" dirty="0">
                 <a:latin typeface="Impact" panose="020B0806030902050204" pitchFamily="34" charset="0"/>
               </a:rPr>
               <a:t>RWD Menu</a:t>
             </a:r>
-            <a:endParaRPr lang="pl-PL" sz="4000" dirty="0">
-              <a:latin typeface="Impact" panose="020B0806030902050204" pitchFamily="34" charset="0"/>
-            </a:endParaRPr>
           </a:p>
         </p:txBody>
       </p:sp>
@@ -4057,7 +3980,7 @@
               <a:buChar char="v"/>
             </a:pPr>
             <a:r>
-              <a:rPr lang="pl-PL" dirty="0" smtClean="0"/>
+              <a:rPr lang="pl-PL" dirty="0"/>
               <a:t>Menu musi działać na:</a:t>
             </a:r>
           </a:p>
@@ -4067,7 +3990,7 @@
               <a:buChar char="Ø"/>
             </a:pPr>
             <a:r>
-              <a:rPr lang="pl-PL" dirty="0" smtClean="0"/>
+              <a:rPr lang="pl-PL" dirty="0"/>
               <a:t>Komputerach</a:t>
             </a:r>
           </a:p>
@@ -4077,7 +4000,7 @@
               <a:buChar char="Ø"/>
             </a:pPr>
             <a:r>
-              <a:rPr lang="pl-PL" dirty="0" smtClean="0"/>
+              <a:rPr lang="pl-PL" dirty="0"/>
               <a:t>Tabletach</a:t>
             </a:r>
           </a:p>
@@ -4087,7 +4010,7 @@
               <a:buChar char="Ø"/>
             </a:pPr>
             <a:r>
-              <a:rPr lang="pl-PL" dirty="0" smtClean="0"/>
+              <a:rPr lang="pl-PL" dirty="0"/>
               <a:t>Smartfonach</a:t>
             </a:r>
           </a:p>
@@ -4097,7 +4020,7 @@
               <a:buChar char="v"/>
             </a:pPr>
             <a:r>
-              <a:rPr lang="pl-PL" dirty="0" smtClean="0"/>
+              <a:rPr lang="pl-PL" dirty="0"/>
               <a:t>Jak to zrobić?</a:t>
             </a:r>
           </a:p>
@@ -4107,7 +4030,7 @@
               <a:buChar char="Ø"/>
             </a:pPr>
             <a:r>
-              <a:rPr lang="pl-PL" dirty="0" smtClean="0"/>
+              <a:rPr lang="pl-PL" dirty="0"/>
               <a:t>Hamburger menu</a:t>
             </a:r>
           </a:p>
@@ -4117,7 +4040,7 @@
               <a:buChar char="Ø"/>
             </a:pPr>
             <a:r>
-              <a:rPr lang="pl-PL" dirty="0" smtClean="0"/>
+              <a:rPr lang="pl-PL" dirty="0"/>
               <a:t>Menu zwijane</a:t>
             </a:r>
           </a:p>
@@ -4127,14 +4050,14 @@
               <a:buChar char="Ø"/>
             </a:pPr>
             <a:r>
-              <a:rPr lang="pl-PL" dirty="0" smtClean="0"/>
+              <a:rPr lang="pl-PL" dirty="0"/>
               <a:t>Media </a:t>
             </a:r>
             <a:r>
-              <a:rPr lang="pl-PL" dirty="0" err="1" smtClean="0"/>
+              <a:rPr lang="pl-PL" dirty="0" err="1"/>
               <a:t>query</a:t>
             </a:r>
-            <a:endParaRPr lang="pl-PL" dirty="0" smtClean="0"/>
+            <a:endParaRPr lang="pl-PL" dirty="0"/>
           </a:p>
         </p:txBody>
       </p:sp>
@@ -4148,13 +4071,6 @@
   <p:clrMapOvr>
     <a:masterClrMapping/>
   </p:clrMapOvr>
-  <p:timing>
-    <p:tnLst>
-      <p:par>
-        <p:cTn id="1" dur="indefinite" restart="never" nodeType="tmRoot"/>
-      </p:par>
-    </p:tnLst>
-  </p:timing>
 </p:sld>
 </file>
 
@@ -4193,14 +4109,11 @@
           <a:lstStyle/>
           <a:p>
             <a:r>
-              <a:rPr lang="pl-PL" sz="4000" dirty="0" smtClean="0">
+              <a:rPr lang="pl-PL" sz="4000" dirty="0">
                 <a:latin typeface="Impact" panose="020B0806030902050204" pitchFamily="34" charset="0"/>
               </a:rPr>
               <a:t>Menu responsywne - ćwiczenie</a:t>
             </a:r>
-            <a:endParaRPr lang="pl-PL" sz="4000" dirty="0">
-              <a:latin typeface="Impact" panose="020B0806030902050204" pitchFamily="34" charset="0"/>
-            </a:endParaRPr>
           </a:p>
         </p:txBody>
       </p:sp>
@@ -4217,7 +4130,7 @@
         <p:spPr/>
         <p:txBody>
           <a:bodyPr>
-            <a:normAutofit fontScale="92500" lnSpcReduction="10000"/>
+            <a:normAutofit fontScale="85000" lnSpcReduction="20000"/>
           </a:bodyPr>
           <a:lstStyle/>
           <a:p>
@@ -4226,35 +4139,35 @@
               <a:buAutoNum type="arabicPeriod"/>
             </a:pPr>
             <a:r>
-              <a:rPr lang="pl-PL" dirty="0" smtClean="0"/>
+              <a:rPr lang="pl-PL" sz="1600" dirty="0"/>
               <a:t>Stwórz menu poziome z linkami:</a:t>
             </a:r>
           </a:p>
           <a:p>
             <a:pPr lvl="1"/>
             <a:r>
-              <a:rPr lang="pl-PL" dirty="0" smtClean="0"/>
+              <a:rPr lang="pl-PL" sz="1600" dirty="0"/>
               <a:t>Start</a:t>
             </a:r>
           </a:p>
           <a:p>
             <a:pPr lvl="1"/>
             <a:r>
-              <a:rPr lang="pl-PL" dirty="0" smtClean="0"/>
+              <a:rPr lang="pl-PL" sz="1600" dirty="0"/>
               <a:t>Oferta</a:t>
             </a:r>
           </a:p>
           <a:p>
             <a:pPr lvl="1"/>
             <a:r>
-              <a:rPr lang="pl-PL" dirty="0" smtClean="0"/>
+              <a:rPr lang="pl-PL" sz="1600" dirty="0"/>
               <a:t>Galeria</a:t>
             </a:r>
           </a:p>
           <a:p>
             <a:pPr lvl="1"/>
             <a:r>
-              <a:rPr lang="pl-PL" dirty="0" smtClean="0"/>
+              <a:rPr lang="pl-PL" sz="1600" dirty="0"/>
               <a:t>Kontakt</a:t>
             </a:r>
           </a:p>
@@ -4264,7 +4177,7 @@
               <a:buAutoNum type="arabicPeriod"/>
             </a:pPr>
             <a:r>
-              <a:rPr lang="pl-PL" dirty="0" smtClean="0"/>
+              <a:rPr lang="pl-PL" sz="1600" dirty="0"/>
               <a:t>Menu na górze strony</a:t>
             </a:r>
           </a:p>
@@ -4274,7 +4187,7 @@
               <a:buAutoNum type="arabicPeriod"/>
             </a:pPr>
             <a:r>
-              <a:rPr lang="pl-PL" dirty="0" smtClean="0"/>
+              <a:rPr lang="pl-PL" sz="1600" dirty="0"/>
               <a:t>Po najechaniu na link zmienia się kolor jego tła</a:t>
             </a:r>
           </a:p>
@@ -4284,31 +4197,31 @@
               <a:buAutoNum type="arabicPeriod"/>
             </a:pPr>
             <a:r>
-              <a:rPr lang="pl-PL" dirty="0" smtClean="0"/>
+              <a:rPr lang="pl-PL" sz="1600" dirty="0"/>
               <a:t>Użycie media </a:t>
             </a:r>
             <a:r>
-              <a:rPr lang="pl-PL" dirty="0" err="1" smtClean="0"/>
+              <a:rPr lang="pl-PL" sz="1600" dirty="0" err="1"/>
               <a:t>query</a:t>
             </a:r>
             <a:r>
-              <a:rPr lang="pl-PL" dirty="0" smtClean="0"/>
+              <a:rPr lang="pl-PL" sz="1600" dirty="0"/>
               <a:t>, jeżeli </a:t>
             </a:r>
             <a:r>
-              <a:rPr lang="pl-PL" dirty="0" err="1" smtClean="0"/>
+              <a:rPr lang="pl-PL" sz="1600" dirty="0" err="1"/>
               <a:t>text</a:t>
             </a:r>
             <a:r>
-              <a:rPr lang="pl-PL" dirty="0" smtClean="0"/>
+              <a:rPr lang="pl-PL" sz="1600" dirty="0"/>
               <a:t> nie będzie się mieścił to zamieniamy linki na przycisk menu, po naciśnięciu pojawia się menu </a:t>
             </a:r>
             <a:r>
-              <a:rPr lang="pl-PL" dirty="0" err="1" smtClean="0"/>
+              <a:rPr lang="pl-PL" sz="1600" dirty="0" err="1"/>
               <a:t>pioniowe</a:t>
             </a:r>
             <a:r>
-              <a:rPr lang="pl-PL" dirty="0" smtClean="0"/>
+              <a:rPr lang="pl-PL" sz="1600" dirty="0"/>
               <a:t> wysuwane</a:t>
             </a:r>
           </a:p>
@@ -4318,7 +4231,7 @@
               <a:buAutoNum type="arabicPeriod"/>
             </a:pPr>
             <a:r>
-              <a:rPr lang="pl-PL" dirty="0" smtClean="0"/>
+              <a:rPr lang="pl-PL" sz="1600" dirty="0"/>
               <a:t>Każda osoba ma wybrać własny kolor tematyczny</a:t>
             </a:r>
           </a:p>
@@ -4328,18 +4241,141 @@
               <a:buAutoNum type="arabicPeriod"/>
             </a:pPr>
             <a:r>
-              <a:rPr lang="pl-PL" dirty="0"/>
-              <a:t>Z</a:t>
-            </a:r>
-            <a:r>
-              <a:rPr lang="pl-PL" dirty="0" smtClean="0"/>
-              <a:t>naczniki semantyczne </a:t>
-            </a:r>
-            <a:r>
-              <a:rPr lang="pl-PL" dirty="0" err="1" smtClean="0"/>
+              <a:rPr lang="pl-PL" sz="1600" dirty="0"/>
+              <a:t>Znaczniki semantyczne </a:t>
+            </a:r>
+            <a:r>
+              <a:rPr lang="pl-PL" sz="1600" dirty="0" err="1"/>
               <a:t>html</a:t>
             </a:r>
-            <a:endParaRPr lang="pl-PL" dirty="0" smtClean="0"/>
+            <a:endParaRPr lang="pl-PL" sz="1600" dirty="0"/>
+          </a:p>
+          <a:p>
+            <a:pPr marL="514350" indent="-514350">
+              <a:buFont typeface="+mj-lt"/>
+              <a:buAutoNum type="arabicPeriod"/>
+            </a:pPr>
+            <a:r>
+              <a:rPr lang="pl-PL" sz="1600" dirty="0"/>
+              <a:t>Po kliknięciu Start, przenosi nas na główną stronę, główna strona jest podzielona na sekcje 1-1-2-1 znacznikami semantycznymi, podział ma być dobrze widoczny, 100vh wysokość strony</a:t>
+            </a:r>
+          </a:p>
+          <a:p>
+            <a:pPr marL="514350" indent="-514350">
+              <a:buFont typeface="+mj-lt"/>
+              <a:buAutoNum type="arabicPeriod"/>
+            </a:pPr>
+            <a:r>
+              <a:rPr lang="pl-PL" sz="1600" dirty="0"/>
+              <a:t>Po kliknięciu Oferta, przenosi nas na podstronę oferta, podział strony 1-1-1, znaczniku semantyczne, podział ma </a:t>
+            </a:r>
+            <a:r>
+              <a:rPr lang="pl-PL" sz="1600" dirty="0" err="1"/>
+              <a:t>byc</a:t>
+            </a:r>
+            <a:r>
+              <a:rPr lang="pl-PL" sz="1600" dirty="0"/>
+              <a:t> dobrze widoczny, w sekcji </a:t>
+            </a:r>
+            <a:r>
+              <a:rPr lang="pl-PL" sz="1600" dirty="0" err="1"/>
+              <a:t>main</a:t>
+            </a:r>
+            <a:r>
+              <a:rPr lang="pl-PL" sz="1600" dirty="0"/>
+              <a:t> mamy </a:t>
+            </a:r>
+            <a:r>
+              <a:rPr lang="pl-PL" sz="1600" dirty="0" err="1"/>
+              <a:t>grid</a:t>
+            </a:r>
+            <a:r>
+              <a:rPr lang="pl-PL" sz="1600" dirty="0"/>
+              <a:t>, 4 elementy w </a:t>
+            </a:r>
+            <a:r>
+              <a:rPr lang="pl-PL" sz="1600" dirty="0" err="1"/>
+              <a:t>srodku</a:t>
+            </a:r>
+            <a:r>
+              <a:rPr lang="pl-PL" sz="1600" dirty="0"/>
+              <a:t>, </a:t>
+            </a:r>
+            <a:r>
+              <a:rPr lang="pl-PL" sz="1600" dirty="0" err="1"/>
+              <a:t>kazdy</a:t>
+            </a:r>
+            <a:r>
+              <a:rPr lang="pl-PL" sz="1600" dirty="0"/>
+              <a:t> ma </a:t>
+            </a:r>
+            <a:r>
+              <a:rPr lang="pl-PL" sz="1600" dirty="0" err="1"/>
+              <a:t>zdjecie</a:t>
+            </a:r>
+            <a:r>
+              <a:rPr lang="pl-PL" sz="1600" dirty="0"/>
+              <a:t> i opis kategorii oferty, 100vh </a:t>
+            </a:r>
+            <a:r>
+              <a:rPr lang="pl-PL" sz="1600" dirty="0" err="1"/>
+              <a:t>wysokosc</a:t>
+            </a:r>
+            <a:r>
+              <a:rPr lang="pl-PL" sz="1600" dirty="0"/>
+              <a:t> strony</a:t>
+            </a:r>
+          </a:p>
+          <a:p>
+            <a:pPr marL="514350" indent="-514350">
+              <a:buFont typeface="+mj-lt"/>
+              <a:buAutoNum type="arabicPeriod"/>
+            </a:pPr>
+            <a:r>
+              <a:rPr lang="pl-PL" sz="1600" dirty="0"/>
+              <a:t>Po kliknięciu Galeria przenosi nas na podstronę galeria, podział strony 1-1, w 2 sekcji ma być galeria która się </a:t>
+            </a:r>
+            <a:r>
+              <a:rPr lang="pl-PL" sz="1600" dirty="0" err="1"/>
+              <a:t>scrolluje</a:t>
+            </a:r>
+            <a:r>
+              <a:rPr lang="pl-PL" sz="1600" dirty="0"/>
+              <a:t>, dowolne zdjęcia, min. 10 elementów, znaczniki semantyczne, 100vh </a:t>
+            </a:r>
+            <a:r>
+              <a:rPr lang="pl-PL" sz="1600" dirty="0" err="1"/>
+              <a:t>wysokosc</a:t>
+            </a:r>
+            <a:r>
+              <a:rPr lang="pl-PL" sz="1600" dirty="0"/>
+              <a:t> strony</a:t>
+            </a:r>
+          </a:p>
+          <a:p>
+            <a:pPr marL="514350" indent="-514350">
+              <a:buFont typeface="+mj-lt"/>
+              <a:buAutoNum type="arabicPeriod"/>
+            </a:pPr>
+            <a:r>
+              <a:rPr lang="pl-PL" sz="1600" dirty="0"/>
+              <a:t>Po kliknięciu Kontakt przenosi nas na podstronę kontakt, podział strony 1-1[1(nr)-1(email)-1(adres)]-1, znaczniki semantyczne, 100vh </a:t>
+            </a:r>
+            <a:r>
+              <a:rPr lang="pl-PL" sz="1600" dirty="0" err="1"/>
+              <a:t>wysokosc</a:t>
+            </a:r>
+            <a:r>
+              <a:rPr lang="pl-PL" sz="1600" dirty="0"/>
+              <a:t> strony</a:t>
+            </a:r>
+          </a:p>
+          <a:p>
+            <a:pPr marL="514350" indent="-514350">
+              <a:buFont typeface="+mj-lt"/>
+              <a:buAutoNum type="arabicPeriod"/>
+            </a:pPr>
+            <a:endParaRPr lang="pl-PL" sz="1600" dirty="0"/>
           </a:p>
         </p:txBody>
       </p:sp>
@@ -4353,13 +4389,6 @@
   <p:clrMapOvr>
     <a:masterClrMapping/>
   </p:clrMapOvr>
-  <p:timing>
-    <p:tnLst>
-      <p:par>
-        <p:cTn id="1" dur="indefinite" restart="never" nodeType="tmRoot"/>
-      </p:par>
-    </p:tnLst>
-  </p:timing>
 </p:sld>
 </file>
 
@@ -4382,6 +4411,807 @@
       </p:grpSpPr>
       <p:sp>
         <p:nvSpPr>
+          <p:cNvPr id="2" name="Tytuł 1">
+            <a:extLst>
+              <a:ext uri="{FF2B5EF4-FFF2-40B4-BE49-F238E27FC236}">
+                <a16:creationId xmlns:a16="http://schemas.microsoft.com/office/drawing/2014/main" id="{154FCD0A-060C-74C2-E2F9-6DE58A036535}"/>
+              </a:ext>
+            </a:extLst>
+          </p:cNvPr>
+          <p:cNvSpPr>
+            <a:spLocks noGrp="1"/>
+          </p:cNvSpPr>
+          <p:nvPr>
+            <p:ph type="title"/>
+          </p:nvPr>
+        </p:nvSpPr>
+        <p:spPr/>
+        <p:txBody>
+          <a:bodyPr/>
+          <a:lstStyle/>
+          <a:p>
+            <a:r>
+              <a:rPr lang="pl-PL" dirty="0"/>
+              <a:t>Wytłumaczenie</a:t>
+            </a:r>
+          </a:p>
+        </p:txBody>
+      </p:sp>
+      <p:sp>
+        <p:nvSpPr>
+          <p:cNvPr id="3" name="Symbol zastępczy zawartości 2">
+            <a:extLst>
+              <a:ext uri="{FF2B5EF4-FFF2-40B4-BE49-F238E27FC236}">
+                <a16:creationId xmlns:a16="http://schemas.microsoft.com/office/drawing/2014/main" id="{D7294969-AC6D-E64B-E925-FA1558F820FE}"/>
+              </a:ext>
+            </a:extLst>
+          </p:cNvPr>
+          <p:cNvSpPr>
+            <a:spLocks noGrp="1"/>
+          </p:cNvSpPr>
+          <p:nvPr>
+            <p:ph idx="1"/>
+          </p:nvPr>
+        </p:nvSpPr>
+        <p:spPr/>
+        <p:txBody>
+          <a:bodyPr/>
+          <a:lstStyle/>
+          <a:p>
+            <a:r>
+              <a:rPr lang="pl-PL" dirty="0"/>
+              <a:t>Podziały strony przykłady żebyście zrozumieli</a:t>
+            </a:r>
+          </a:p>
+        </p:txBody>
+      </p:sp>
+      <p:sp>
+        <p:nvSpPr>
+          <p:cNvPr id="5" name="Prostokąt 4">
+            <a:extLst>
+              <a:ext uri="{FF2B5EF4-FFF2-40B4-BE49-F238E27FC236}">
+                <a16:creationId xmlns:a16="http://schemas.microsoft.com/office/drawing/2014/main" id="{9497039B-2BC4-D022-0A67-C1F06C630961}"/>
+              </a:ext>
+            </a:extLst>
+          </p:cNvPr>
+          <p:cNvSpPr/>
+          <p:nvPr/>
+        </p:nvSpPr>
+        <p:spPr>
+          <a:xfrm>
+            <a:off x="976524" y="2920532"/>
+            <a:ext cx="2719294" cy="842683"/>
+          </a:xfrm>
+          <a:prstGeom prst="rect">
+            <a:avLst/>
+          </a:prstGeom>
+        </p:spPr>
+        <p:style>
+          <a:lnRef idx="2">
+            <a:schemeClr val="accent1">
+              <a:shade val="15000"/>
+            </a:schemeClr>
+          </a:lnRef>
+          <a:fillRef idx="1">
+            <a:schemeClr val="accent1"/>
+          </a:fillRef>
+          <a:effectRef idx="0">
+            <a:schemeClr val="accent1"/>
+          </a:effectRef>
+          <a:fontRef idx="minor">
+            <a:schemeClr val="lt1"/>
+          </a:fontRef>
+        </p:style>
+        <p:txBody>
+          <a:bodyPr rtlCol="0" anchor="ctr"/>
+          <a:lstStyle/>
+          <a:p>
+            <a:pPr algn="ctr"/>
+            <a:endParaRPr lang="pl-PL"/>
+          </a:p>
+        </p:txBody>
+      </p:sp>
+      <p:sp>
+        <p:nvSpPr>
+          <p:cNvPr id="7" name="Prostokąt 6">
+            <a:extLst>
+              <a:ext uri="{FF2B5EF4-FFF2-40B4-BE49-F238E27FC236}">
+                <a16:creationId xmlns:a16="http://schemas.microsoft.com/office/drawing/2014/main" id="{04C8E129-4205-270D-2492-368F29523240}"/>
+              </a:ext>
+            </a:extLst>
+          </p:cNvPr>
+          <p:cNvSpPr/>
+          <p:nvPr/>
+        </p:nvSpPr>
+        <p:spPr>
+          <a:xfrm>
+            <a:off x="968621" y="3871375"/>
+            <a:ext cx="2719294" cy="582846"/>
+          </a:xfrm>
+          <a:prstGeom prst="rect">
+            <a:avLst/>
+          </a:prstGeom>
+        </p:spPr>
+        <p:style>
+          <a:lnRef idx="2">
+            <a:schemeClr val="accent1">
+              <a:shade val="15000"/>
+            </a:schemeClr>
+          </a:lnRef>
+          <a:fillRef idx="1">
+            <a:schemeClr val="accent1"/>
+          </a:fillRef>
+          <a:effectRef idx="0">
+            <a:schemeClr val="accent1"/>
+          </a:effectRef>
+          <a:fontRef idx="minor">
+            <a:schemeClr val="lt1"/>
+          </a:fontRef>
+        </p:style>
+        <p:txBody>
+          <a:bodyPr rtlCol="0" anchor="ctr"/>
+          <a:lstStyle/>
+          <a:p>
+            <a:pPr algn="ctr"/>
+            <a:endParaRPr lang="pl-PL"/>
+          </a:p>
+        </p:txBody>
+      </p:sp>
+      <p:sp>
+        <p:nvSpPr>
+          <p:cNvPr id="9" name="Prostokąt 8">
+            <a:extLst>
+              <a:ext uri="{FF2B5EF4-FFF2-40B4-BE49-F238E27FC236}">
+                <a16:creationId xmlns:a16="http://schemas.microsoft.com/office/drawing/2014/main" id="{DB14F8C4-8B20-144B-2270-4C2AA7317796}"/>
+              </a:ext>
+            </a:extLst>
+          </p:cNvPr>
+          <p:cNvSpPr/>
+          <p:nvPr/>
+        </p:nvSpPr>
+        <p:spPr>
+          <a:xfrm>
+            <a:off x="968621" y="4621821"/>
+            <a:ext cx="1237129" cy="944048"/>
+          </a:xfrm>
+          <a:prstGeom prst="rect">
+            <a:avLst/>
+          </a:prstGeom>
+        </p:spPr>
+        <p:style>
+          <a:lnRef idx="2">
+            <a:schemeClr val="accent1">
+              <a:shade val="15000"/>
+            </a:schemeClr>
+          </a:lnRef>
+          <a:fillRef idx="1">
+            <a:schemeClr val="accent1"/>
+          </a:fillRef>
+          <a:effectRef idx="0">
+            <a:schemeClr val="accent1"/>
+          </a:effectRef>
+          <a:fontRef idx="minor">
+            <a:schemeClr val="lt1"/>
+          </a:fontRef>
+        </p:style>
+        <p:txBody>
+          <a:bodyPr rtlCol="0" anchor="ctr"/>
+          <a:lstStyle/>
+          <a:p>
+            <a:pPr algn="ctr"/>
+            <a:endParaRPr lang="pl-PL"/>
+          </a:p>
+        </p:txBody>
+      </p:sp>
+      <p:sp>
+        <p:nvSpPr>
+          <p:cNvPr id="11" name="Prostokąt 10">
+            <a:extLst>
+              <a:ext uri="{FF2B5EF4-FFF2-40B4-BE49-F238E27FC236}">
+                <a16:creationId xmlns:a16="http://schemas.microsoft.com/office/drawing/2014/main" id="{CA7C2FFD-EC71-A86D-BD47-9A804B7D246C}"/>
+              </a:ext>
+            </a:extLst>
+          </p:cNvPr>
+          <p:cNvSpPr/>
+          <p:nvPr/>
+        </p:nvSpPr>
+        <p:spPr>
+          <a:xfrm flipV="1">
+            <a:off x="2336171" y="4614491"/>
+            <a:ext cx="1354154" cy="944048"/>
+          </a:xfrm>
+          <a:prstGeom prst="rect">
+            <a:avLst/>
+          </a:prstGeom>
+        </p:spPr>
+        <p:style>
+          <a:lnRef idx="2">
+            <a:schemeClr val="accent1">
+              <a:shade val="15000"/>
+            </a:schemeClr>
+          </a:lnRef>
+          <a:fillRef idx="1">
+            <a:schemeClr val="accent1"/>
+          </a:fillRef>
+          <a:effectRef idx="0">
+            <a:schemeClr val="accent1"/>
+          </a:effectRef>
+          <a:fontRef idx="minor">
+            <a:schemeClr val="lt1"/>
+          </a:fontRef>
+        </p:style>
+        <p:txBody>
+          <a:bodyPr rtlCol="0" anchor="ctr"/>
+          <a:lstStyle/>
+          <a:p>
+            <a:pPr algn="ctr"/>
+            <a:endParaRPr lang="pl-PL"/>
+          </a:p>
+        </p:txBody>
+      </p:sp>
+      <p:sp>
+        <p:nvSpPr>
+          <p:cNvPr id="13" name="Prostokąt 12">
+            <a:extLst>
+              <a:ext uri="{FF2B5EF4-FFF2-40B4-BE49-F238E27FC236}">
+                <a16:creationId xmlns:a16="http://schemas.microsoft.com/office/drawing/2014/main" id="{42B5D932-E11F-4CA7-5985-C2F6EC94D91C}"/>
+              </a:ext>
+            </a:extLst>
+          </p:cNvPr>
+          <p:cNvSpPr/>
+          <p:nvPr/>
+        </p:nvSpPr>
+        <p:spPr>
+          <a:xfrm>
+            <a:off x="938307" y="5700806"/>
+            <a:ext cx="2719294" cy="792069"/>
+          </a:xfrm>
+          <a:prstGeom prst="rect">
+            <a:avLst/>
+          </a:prstGeom>
+        </p:spPr>
+        <p:style>
+          <a:lnRef idx="2">
+            <a:schemeClr val="accent1">
+              <a:shade val="15000"/>
+            </a:schemeClr>
+          </a:lnRef>
+          <a:fillRef idx="1">
+            <a:schemeClr val="accent1"/>
+          </a:fillRef>
+          <a:effectRef idx="0">
+            <a:schemeClr val="accent1"/>
+          </a:effectRef>
+          <a:fontRef idx="minor">
+            <a:schemeClr val="lt1"/>
+          </a:fontRef>
+        </p:style>
+        <p:txBody>
+          <a:bodyPr rtlCol="0" anchor="ctr"/>
+          <a:lstStyle/>
+          <a:p>
+            <a:pPr algn="ctr"/>
+            <a:endParaRPr lang="pl-PL"/>
+          </a:p>
+        </p:txBody>
+      </p:sp>
+      <p:sp>
+        <p:nvSpPr>
+          <p:cNvPr id="14" name="pole tekstowe 13">
+            <a:extLst>
+              <a:ext uri="{FF2B5EF4-FFF2-40B4-BE49-F238E27FC236}">
+                <a16:creationId xmlns:a16="http://schemas.microsoft.com/office/drawing/2014/main" id="{C233CEDD-51AB-4E27-9650-B34A967AF8F7}"/>
+              </a:ext>
+            </a:extLst>
+          </p:cNvPr>
+          <p:cNvSpPr txBox="1"/>
+          <p:nvPr/>
+        </p:nvSpPr>
+        <p:spPr>
+          <a:xfrm>
+            <a:off x="1651001" y="2374342"/>
+            <a:ext cx="3830918" cy="523220"/>
+          </a:xfrm>
+          <a:prstGeom prst="rect">
+            <a:avLst/>
+          </a:prstGeom>
+          <a:noFill/>
+        </p:spPr>
+        <p:txBody>
+          <a:bodyPr wrap="square" rtlCol="0">
+            <a:spAutoFit/>
+          </a:bodyPr>
+          <a:lstStyle/>
+          <a:p>
+            <a:pPr algn="l"/>
+            <a:r>
+              <a:rPr lang="pl-PL" sz="2800" dirty="0"/>
+              <a:t>1-1-2-1</a:t>
+            </a:r>
+          </a:p>
+        </p:txBody>
+      </p:sp>
+      <p:sp>
+        <p:nvSpPr>
+          <p:cNvPr id="16" name="Prostokąt 15">
+            <a:extLst>
+              <a:ext uri="{FF2B5EF4-FFF2-40B4-BE49-F238E27FC236}">
+                <a16:creationId xmlns:a16="http://schemas.microsoft.com/office/drawing/2014/main" id="{723E44E8-57C6-C2E3-6A79-C8889DD7255A}"/>
+              </a:ext>
+            </a:extLst>
+          </p:cNvPr>
+          <p:cNvSpPr/>
+          <p:nvPr/>
+        </p:nvSpPr>
+        <p:spPr>
+          <a:xfrm>
+            <a:off x="4335231" y="2930523"/>
+            <a:ext cx="2719294" cy="740710"/>
+          </a:xfrm>
+          <a:prstGeom prst="rect">
+            <a:avLst/>
+          </a:prstGeom>
+        </p:spPr>
+        <p:style>
+          <a:lnRef idx="2">
+            <a:schemeClr val="accent1">
+              <a:shade val="15000"/>
+            </a:schemeClr>
+          </a:lnRef>
+          <a:fillRef idx="1">
+            <a:schemeClr val="accent1"/>
+          </a:fillRef>
+          <a:effectRef idx="0">
+            <a:schemeClr val="accent1"/>
+          </a:effectRef>
+          <a:fontRef idx="minor">
+            <a:schemeClr val="lt1"/>
+          </a:fontRef>
+        </p:style>
+        <p:txBody>
+          <a:bodyPr rtlCol="0" anchor="ctr"/>
+          <a:lstStyle/>
+          <a:p>
+            <a:pPr algn="ctr"/>
+            <a:endParaRPr lang="pl-PL"/>
+          </a:p>
+        </p:txBody>
+      </p:sp>
+      <p:sp>
+        <p:nvSpPr>
+          <p:cNvPr id="20" name="Prostokąt 19">
+            <a:extLst>
+              <a:ext uri="{FF2B5EF4-FFF2-40B4-BE49-F238E27FC236}">
+                <a16:creationId xmlns:a16="http://schemas.microsoft.com/office/drawing/2014/main" id="{94E28CBD-AEED-05C3-1BAB-AC81BC2E0850}"/>
+              </a:ext>
+            </a:extLst>
+          </p:cNvPr>
+          <p:cNvSpPr/>
+          <p:nvPr/>
+        </p:nvSpPr>
+        <p:spPr>
+          <a:xfrm>
+            <a:off x="4378922" y="3892621"/>
+            <a:ext cx="2719294" cy="2600254"/>
+          </a:xfrm>
+          <a:prstGeom prst="rect">
+            <a:avLst/>
+          </a:prstGeom>
+        </p:spPr>
+        <p:style>
+          <a:lnRef idx="2">
+            <a:schemeClr val="accent1">
+              <a:shade val="15000"/>
+            </a:schemeClr>
+          </a:lnRef>
+          <a:fillRef idx="1">
+            <a:schemeClr val="accent1"/>
+          </a:fillRef>
+          <a:effectRef idx="0">
+            <a:schemeClr val="accent1"/>
+          </a:effectRef>
+          <a:fontRef idx="minor">
+            <a:schemeClr val="lt1"/>
+          </a:fontRef>
+        </p:style>
+        <p:txBody>
+          <a:bodyPr rtlCol="0" anchor="ctr"/>
+          <a:lstStyle/>
+          <a:p>
+            <a:pPr algn="ctr"/>
+            <a:endParaRPr lang="pl-PL"/>
+          </a:p>
+        </p:txBody>
+      </p:sp>
+      <p:sp>
+        <p:nvSpPr>
+          <p:cNvPr id="21" name="pole tekstowe 20">
+            <a:extLst>
+              <a:ext uri="{FF2B5EF4-FFF2-40B4-BE49-F238E27FC236}">
+                <a16:creationId xmlns:a16="http://schemas.microsoft.com/office/drawing/2014/main" id="{0C530CDD-39A8-B174-A537-540387833FF3}"/>
+              </a:ext>
+            </a:extLst>
+          </p:cNvPr>
+          <p:cNvSpPr txBox="1"/>
+          <p:nvPr/>
+        </p:nvSpPr>
+        <p:spPr>
+          <a:xfrm flipH="1">
+            <a:off x="5315447" y="2239405"/>
+            <a:ext cx="1958546" cy="584775"/>
+          </a:xfrm>
+          <a:prstGeom prst="rect">
+            <a:avLst/>
+          </a:prstGeom>
+          <a:noFill/>
+        </p:spPr>
+        <p:txBody>
+          <a:bodyPr wrap="square" rtlCol="0">
+            <a:spAutoFit/>
+          </a:bodyPr>
+          <a:lstStyle/>
+          <a:p>
+            <a:pPr algn="l"/>
+            <a:r>
+              <a:rPr lang="pl-PL" sz="3200" dirty="0"/>
+              <a:t>1-1</a:t>
+            </a:r>
+          </a:p>
+        </p:txBody>
+      </p:sp>
+      <p:sp>
+        <p:nvSpPr>
+          <p:cNvPr id="23" name="pole tekstowe 22">
+            <a:extLst>
+              <a:ext uri="{FF2B5EF4-FFF2-40B4-BE49-F238E27FC236}">
+                <a16:creationId xmlns:a16="http://schemas.microsoft.com/office/drawing/2014/main" id="{7E54E826-04C1-8B91-FD10-B5518F2999D7}"/>
+              </a:ext>
+            </a:extLst>
+          </p:cNvPr>
+          <p:cNvSpPr txBox="1"/>
+          <p:nvPr/>
+        </p:nvSpPr>
+        <p:spPr>
+          <a:xfrm flipH="1">
+            <a:off x="8542558" y="2237173"/>
+            <a:ext cx="9267140" cy="584775"/>
+          </a:xfrm>
+          <a:prstGeom prst="rect">
+            <a:avLst/>
+          </a:prstGeom>
+          <a:noFill/>
+        </p:spPr>
+        <p:txBody>
+          <a:bodyPr wrap="square" rtlCol="0">
+            <a:spAutoFit/>
+          </a:bodyPr>
+          <a:lstStyle/>
+          <a:p>
+            <a:pPr algn="l"/>
+            <a:r>
+              <a:rPr lang="pl-PL" sz="3200" dirty="0"/>
+              <a:t>1-1(1-1-1)-1</a:t>
+            </a:r>
+          </a:p>
+        </p:txBody>
+      </p:sp>
+      <p:sp>
+        <p:nvSpPr>
+          <p:cNvPr id="25" name="Prostokąt 24">
+            <a:extLst>
+              <a:ext uri="{FF2B5EF4-FFF2-40B4-BE49-F238E27FC236}">
+                <a16:creationId xmlns:a16="http://schemas.microsoft.com/office/drawing/2014/main" id="{37A65C2F-D1F0-736C-7E05-6B5B7D1AE0E5}"/>
+              </a:ext>
+            </a:extLst>
+          </p:cNvPr>
+          <p:cNvSpPr/>
+          <p:nvPr/>
+        </p:nvSpPr>
+        <p:spPr>
+          <a:xfrm>
+            <a:off x="8074111" y="2971518"/>
+            <a:ext cx="2719294" cy="740710"/>
+          </a:xfrm>
+          <a:prstGeom prst="rect">
+            <a:avLst/>
+          </a:prstGeom>
+        </p:spPr>
+        <p:style>
+          <a:lnRef idx="2">
+            <a:schemeClr val="accent1">
+              <a:shade val="15000"/>
+            </a:schemeClr>
+          </a:lnRef>
+          <a:fillRef idx="1">
+            <a:schemeClr val="accent1"/>
+          </a:fillRef>
+          <a:effectRef idx="0">
+            <a:schemeClr val="accent1"/>
+          </a:effectRef>
+          <a:fontRef idx="minor">
+            <a:schemeClr val="lt1"/>
+          </a:fontRef>
+        </p:style>
+        <p:txBody>
+          <a:bodyPr rtlCol="0" anchor="ctr"/>
+          <a:lstStyle/>
+          <a:p>
+            <a:pPr algn="ctr"/>
+            <a:endParaRPr lang="pl-PL"/>
+          </a:p>
+        </p:txBody>
+      </p:sp>
+      <p:sp>
+        <p:nvSpPr>
+          <p:cNvPr id="27" name="Prostokąt 26">
+            <a:extLst>
+              <a:ext uri="{FF2B5EF4-FFF2-40B4-BE49-F238E27FC236}">
+                <a16:creationId xmlns:a16="http://schemas.microsoft.com/office/drawing/2014/main" id="{1B470D60-6BD6-A66A-0F2A-FBD87FECBE8E}"/>
+              </a:ext>
+            </a:extLst>
+          </p:cNvPr>
+          <p:cNvSpPr/>
+          <p:nvPr/>
+        </p:nvSpPr>
+        <p:spPr>
+          <a:xfrm>
+            <a:off x="8074111" y="5763165"/>
+            <a:ext cx="2719294" cy="740710"/>
+          </a:xfrm>
+          <a:prstGeom prst="rect">
+            <a:avLst/>
+          </a:prstGeom>
+        </p:spPr>
+        <p:style>
+          <a:lnRef idx="2">
+            <a:schemeClr val="accent1">
+              <a:shade val="15000"/>
+            </a:schemeClr>
+          </a:lnRef>
+          <a:fillRef idx="1">
+            <a:schemeClr val="accent1"/>
+          </a:fillRef>
+          <a:effectRef idx="0">
+            <a:schemeClr val="accent1"/>
+          </a:effectRef>
+          <a:fontRef idx="minor">
+            <a:schemeClr val="lt1"/>
+          </a:fontRef>
+        </p:style>
+        <p:txBody>
+          <a:bodyPr rtlCol="0" anchor="ctr"/>
+          <a:lstStyle/>
+          <a:p>
+            <a:pPr algn="ctr"/>
+            <a:endParaRPr lang="pl-PL"/>
+          </a:p>
+        </p:txBody>
+      </p:sp>
+      <p:sp>
+        <p:nvSpPr>
+          <p:cNvPr id="29" name="Prostokąt 28">
+            <a:extLst>
+              <a:ext uri="{FF2B5EF4-FFF2-40B4-BE49-F238E27FC236}">
+                <a16:creationId xmlns:a16="http://schemas.microsoft.com/office/drawing/2014/main" id="{D7BEB74A-113D-C1CB-0066-AC7EDEE498D8}"/>
+              </a:ext>
+            </a:extLst>
+          </p:cNvPr>
+          <p:cNvSpPr/>
+          <p:nvPr/>
+        </p:nvSpPr>
+        <p:spPr>
+          <a:xfrm>
+            <a:off x="8074111" y="3922201"/>
+            <a:ext cx="2719294" cy="1636338"/>
+          </a:xfrm>
+          <a:prstGeom prst="rect">
+            <a:avLst/>
+          </a:prstGeom>
+        </p:spPr>
+        <p:style>
+          <a:lnRef idx="2">
+            <a:schemeClr val="accent1">
+              <a:shade val="15000"/>
+            </a:schemeClr>
+          </a:lnRef>
+          <a:fillRef idx="1">
+            <a:schemeClr val="accent1"/>
+          </a:fillRef>
+          <a:effectRef idx="0">
+            <a:schemeClr val="accent1"/>
+          </a:effectRef>
+          <a:fontRef idx="minor">
+            <a:schemeClr val="lt1"/>
+          </a:fontRef>
+        </p:style>
+        <p:txBody>
+          <a:bodyPr rtlCol="0" anchor="ctr"/>
+          <a:lstStyle/>
+          <a:p>
+            <a:pPr algn="ctr"/>
+            <a:endParaRPr lang="pl-PL"/>
+          </a:p>
+        </p:txBody>
+      </p:sp>
+      <p:sp>
+        <p:nvSpPr>
+          <p:cNvPr id="31" name="Prostokąt 30">
+            <a:extLst>
+              <a:ext uri="{FF2B5EF4-FFF2-40B4-BE49-F238E27FC236}">
+                <a16:creationId xmlns:a16="http://schemas.microsoft.com/office/drawing/2014/main" id="{53A016C0-5F0A-47C8-5DAE-3A00A4A5BC3F}"/>
+              </a:ext>
+            </a:extLst>
+          </p:cNvPr>
+          <p:cNvSpPr/>
+          <p:nvPr/>
+        </p:nvSpPr>
+        <p:spPr>
+          <a:xfrm>
+            <a:off x="8206191" y="4064468"/>
+            <a:ext cx="2432747" cy="389753"/>
+          </a:xfrm>
+          <a:prstGeom prst="rect">
+            <a:avLst/>
+          </a:prstGeom>
+          <a:solidFill>
+            <a:schemeClr val="accent2"/>
+          </a:solidFill>
+        </p:spPr>
+        <p:style>
+          <a:lnRef idx="2">
+            <a:schemeClr val="accent1">
+              <a:shade val="15000"/>
+            </a:schemeClr>
+          </a:lnRef>
+          <a:fillRef idx="1">
+            <a:schemeClr val="accent1"/>
+          </a:fillRef>
+          <a:effectRef idx="0">
+            <a:schemeClr val="accent1"/>
+          </a:effectRef>
+          <a:fontRef idx="minor">
+            <a:schemeClr val="lt1"/>
+          </a:fontRef>
+        </p:style>
+        <p:txBody>
+          <a:bodyPr rtlCol="0" anchor="ctr"/>
+          <a:lstStyle/>
+          <a:p>
+            <a:pPr algn="ctr"/>
+            <a:endParaRPr lang="pl-PL"/>
+          </a:p>
+        </p:txBody>
+      </p:sp>
+      <p:sp>
+        <p:nvSpPr>
+          <p:cNvPr id="33" name="Prostokąt 32">
+            <a:extLst>
+              <a:ext uri="{FF2B5EF4-FFF2-40B4-BE49-F238E27FC236}">
+                <a16:creationId xmlns:a16="http://schemas.microsoft.com/office/drawing/2014/main" id="{58659A9F-0AB3-5198-5774-72EDF757A8DE}"/>
+              </a:ext>
+            </a:extLst>
+          </p:cNvPr>
+          <p:cNvSpPr/>
+          <p:nvPr/>
+        </p:nvSpPr>
+        <p:spPr>
+          <a:xfrm>
+            <a:off x="8192627" y="4589158"/>
+            <a:ext cx="2432747" cy="389753"/>
+          </a:xfrm>
+          <a:prstGeom prst="rect">
+            <a:avLst/>
+          </a:prstGeom>
+          <a:solidFill>
+            <a:schemeClr val="accent2"/>
+          </a:solidFill>
+        </p:spPr>
+        <p:style>
+          <a:lnRef idx="2">
+            <a:schemeClr val="accent1">
+              <a:shade val="15000"/>
+            </a:schemeClr>
+          </a:lnRef>
+          <a:fillRef idx="1">
+            <a:schemeClr val="accent1"/>
+          </a:fillRef>
+          <a:effectRef idx="0">
+            <a:schemeClr val="accent1"/>
+          </a:effectRef>
+          <a:fontRef idx="minor">
+            <a:schemeClr val="lt1"/>
+          </a:fontRef>
+        </p:style>
+        <p:txBody>
+          <a:bodyPr rtlCol="0" anchor="ctr"/>
+          <a:lstStyle/>
+          <a:p>
+            <a:pPr algn="ctr"/>
+            <a:endParaRPr lang="pl-PL"/>
+          </a:p>
+        </p:txBody>
+      </p:sp>
+      <p:sp>
+        <p:nvSpPr>
+          <p:cNvPr id="35" name="Prostokąt 34">
+            <a:extLst>
+              <a:ext uri="{FF2B5EF4-FFF2-40B4-BE49-F238E27FC236}">
+                <a16:creationId xmlns:a16="http://schemas.microsoft.com/office/drawing/2014/main" id="{23F009B6-3867-F082-3288-7348FAFD1B7B}"/>
+              </a:ext>
+            </a:extLst>
+          </p:cNvPr>
+          <p:cNvSpPr/>
+          <p:nvPr/>
+        </p:nvSpPr>
+        <p:spPr>
+          <a:xfrm>
+            <a:off x="8192626" y="5113848"/>
+            <a:ext cx="2432747" cy="389753"/>
+          </a:xfrm>
+          <a:prstGeom prst="rect">
+            <a:avLst/>
+          </a:prstGeom>
+          <a:solidFill>
+            <a:schemeClr val="accent2"/>
+          </a:solidFill>
+        </p:spPr>
+        <p:style>
+          <a:lnRef idx="2">
+            <a:schemeClr val="accent1">
+              <a:shade val="15000"/>
+            </a:schemeClr>
+          </a:lnRef>
+          <a:fillRef idx="1">
+            <a:schemeClr val="accent1"/>
+          </a:fillRef>
+          <a:effectRef idx="0">
+            <a:schemeClr val="accent1"/>
+          </a:effectRef>
+          <a:fontRef idx="minor">
+            <a:schemeClr val="lt1"/>
+          </a:fontRef>
+        </p:style>
+        <p:txBody>
+          <a:bodyPr rtlCol="0" anchor="ctr"/>
+          <a:lstStyle/>
+          <a:p>
+            <a:pPr algn="ctr"/>
+            <a:endParaRPr lang="pl-PL"/>
+          </a:p>
+        </p:txBody>
+      </p:sp>
+    </p:spTree>
+    <p:extLst>
+      <p:ext uri="{BB962C8B-B14F-4D97-AF65-F5344CB8AC3E}">
+        <p14:creationId xmlns:p14="http://schemas.microsoft.com/office/powerpoint/2010/main" val="4243989483"/>
+      </p:ext>
+    </p:extLst>
+  </p:cSld>
+  <p:clrMapOvr>
+    <a:masterClrMapping/>
+  </p:clrMapOvr>
+</p:sld>
+</file>
+
+<file path=ppt/slides/slide17.xml><?xml version="1.0" encoding="utf-8"?>
+<p:sld xmlns:a="http://schemas.openxmlformats.org/drawingml/2006/main" xmlns:r="http://schemas.openxmlformats.org/officeDocument/2006/relationships" xmlns:p="http://schemas.openxmlformats.org/presentationml/2006/main">
+  <p:cSld>
+    <p:spTree>
+      <p:nvGrpSpPr>
+        <p:cNvPr id="1" name=""/>
+        <p:cNvGrpSpPr/>
+        <p:nvPr/>
+      </p:nvGrpSpPr>
+      <p:grpSpPr>
+        <a:xfrm>
+          <a:off x="0" y="0"/>
+          <a:ext cx="0" cy="0"/>
+          <a:chOff x="0" y="0"/>
+          <a:chExt cx="0" cy="0"/>
+        </a:xfrm>
+      </p:grpSpPr>
+      <p:sp>
+        <p:nvSpPr>
           <p:cNvPr id="2" name="Tytuł 1"/>
           <p:cNvSpPr>
             <a:spLocks noGrp="1"/>
@@ -4398,14 +5228,11 @@
           <a:lstStyle/>
           <a:p>
             <a:r>
-              <a:rPr lang="pl-PL" dirty="0" smtClean="0">
+              <a:rPr lang="pl-PL" dirty="0">
                 <a:latin typeface="Bahnschrift SemiBold SemiConden" panose="020B0502040204020203" pitchFamily="34" charset="0"/>
               </a:rPr>
               <a:t>KONIEC</a:t>
             </a:r>
-            <a:endParaRPr lang="pl-PL" dirty="0">
-              <a:latin typeface="Bahnschrift SemiBold SemiConden" panose="020B0502040204020203" pitchFamily="34" charset="0"/>
-            </a:endParaRPr>
           </a:p>
         </p:txBody>
       </p:sp>
@@ -4419,13 +5246,6 @@
   <p:clrMapOvr>
     <a:masterClrMapping/>
   </p:clrMapOvr>
-  <p:timing>
-    <p:tnLst>
-      <p:par>
-        <p:cTn id="1" dur="indefinite" restart="never" nodeType="tmRoot"/>
-      </p:par>
-    </p:tnLst>
-  </p:timing>
 </p:sld>
 </file>
 
@@ -4464,14 +5284,11 @@
           <a:lstStyle/>
           <a:p>
             <a:r>
-              <a:rPr lang="pl-PL" sz="4000" dirty="0" smtClean="0">
+              <a:rPr lang="pl-PL" sz="4000" dirty="0">
                 <a:latin typeface="Impact" panose="020B0806030902050204" pitchFamily="34" charset="0"/>
               </a:rPr>
               <a:t>Czym jest menu?</a:t>
             </a:r>
-            <a:endParaRPr lang="pl-PL" sz="4000" dirty="0">
-              <a:latin typeface="Impact" panose="020B0806030902050204" pitchFamily="34" charset="0"/>
-            </a:endParaRPr>
           </a:p>
         </p:txBody>
       </p:sp>
@@ -4494,56 +5311,52 @@
               <a:buNone/>
             </a:pPr>
             <a:r>
-              <a:rPr lang="pl-PL" dirty="0" smtClean="0">
+              <a:rPr lang="pl-PL" dirty="0">
                 <a:latin typeface="Arial" panose="020B0604020202020204" pitchFamily="34" charset="0"/>
                 <a:cs typeface="Arial" panose="020B0604020202020204" pitchFamily="34" charset="0"/>
               </a:rPr>
               <a:t>Menu to element nawigacyjny strony internetowej, który umożliwia użytkownikowi poruszanie się pomiędzy podstronami.</a:t>
             </a:r>
             <a:br>
-              <a:rPr lang="pl-PL" dirty="0" smtClean="0">
+              <a:rPr lang="pl-PL" dirty="0">
                 <a:latin typeface="Arial" panose="020B0604020202020204" pitchFamily="34" charset="0"/>
                 <a:cs typeface="Arial" panose="020B0604020202020204" pitchFamily="34" charset="0"/>
               </a:rPr>
             </a:br>
             <a:r>
-              <a:rPr lang="pl-PL" dirty="0" smtClean="0">
+              <a:rPr lang="pl-PL" dirty="0">
                 <a:latin typeface="Arial" panose="020B0604020202020204" pitchFamily="34" charset="0"/>
                 <a:cs typeface="Arial" panose="020B0604020202020204" pitchFamily="34" charset="0"/>
               </a:rPr>
               <a:t>Zawiera linki do najważniejszych sekcji serwisu i ułatwia szybkie odnalezienie informacji.</a:t>
             </a:r>
             <a:br>
-              <a:rPr lang="pl-PL" dirty="0" smtClean="0">
+              <a:rPr lang="pl-PL" dirty="0">
                 <a:latin typeface="Arial" panose="020B0604020202020204" pitchFamily="34" charset="0"/>
                 <a:cs typeface="Arial" panose="020B0604020202020204" pitchFamily="34" charset="0"/>
               </a:rPr>
             </a:br>
             <a:r>
-              <a:rPr lang="pl-PL" dirty="0" smtClean="0">
+              <a:rPr lang="pl-PL" dirty="0">
                 <a:latin typeface="Arial" panose="020B0604020202020204" pitchFamily="34" charset="0"/>
                 <a:cs typeface="Arial" panose="020B0604020202020204" pitchFamily="34" charset="0"/>
               </a:rPr>
               <a:t>Jest jednym z kluczowych elementów interfejsu użytkownika w aplikacjach front-</a:t>
             </a:r>
             <a:r>
-              <a:rPr lang="pl-PL" dirty="0" err="1" smtClean="0">
+              <a:rPr lang="pl-PL" dirty="0" err="1">
                 <a:latin typeface="Arial" panose="020B0604020202020204" pitchFamily="34" charset="0"/>
                 <a:cs typeface="Arial" panose="020B0604020202020204" pitchFamily="34" charset="0"/>
               </a:rPr>
               <a:t>endowych</a:t>
             </a:r>
             <a:r>
-              <a:rPr lang="pl-PL" dirty="0" smtClean="0">
+              <a:rPr lang="pl-PL" dirty="0">
                 <a:latin typeface="Arial" panose="020B0604020202020204" pitchFamily="34" charset="0"/>
                 <a:cs typeface="Arial" panose="020B0604020202020204" pitchFamily="34" charset="0"/>
               </a:rPr>
               <a:t>.</a:t>
             </a:r>
-            <a:endParaRPr lang="pl-PL" dirty="0">
-              <a:latin typeface="Arial" panose="020B0604020202020204" pitchFamily="34" charset="0"/>
-              <a:cs typeface="Arial" panose="020B0604020202020204" pitchFamily="34" charset="0"/>
-            </a:endParaRPr>
           </a:p>
         </p:txBody>
       </p:sp>
@@ -4557,13 +5370,6 @@
   <p:clrMapOvr>
     <a:masterClrMapping/>
   </p:clrMapOvr>
-  <p:timing>
-    <p:tnLst>
-      <p:par>
-        <p:cTn id="1" dur="indefinite" restart="never" nodeType="tmRoot"/>
-      </p:par>
-    </p:tnLst>
-  </p:timing>
 </p:sld>
 </file>
 
@@ -4602,14 +5408,11 @@
           <a:lstStyle/>
           <a:p>
             <a:r>
-              <a:rPr lang="pl-PL" sz="4000" dirty="0" smtClean="0">
+              <a:rPr lang="pl-PL" sz="4000" dirty="0">
                 <a:latin typeface="Impact" panose="020B0806030902050204" pitchFamily="34" charset="0"/>
               </a:rPr>
               <a:t>Czego używamy do tworzenia menu</a:t>
             </a:r>
-            <a:endParaRPr lang="pl-PL" sz="4000" dirty="0">
-              <a:latin typeface="Impact" panose="020B0806030902050204" pitchFamily="34" charset="0"/>
-            </a:endParaRPr>
           </a:p>
         </p:txBody>
       </p:sp>
@@ -4629,7 +5432,7 @@
           <a:lstStyle/>
           <a:p>
             <a:r>
-              <a:rPr lang="pl-PL" dirty="0" smtClean="0"/>
+              <a:rPr lang="pl-PL" dirty="0"/>
               <a:t>HTML</a:t>
             </a:r>
           </a:p>
@@ -4639,15 +5442,15 @@
               <a:buChar char="§"/>
             </a:pPr>
             <a:r>
-              <a:rPr lang="pl-PL" dirty="0" smtClean="0"/>
+              <a:rPr lang="pl-PL" dirty="0"/>
               <a:t>&lt;</a:t>
             </a:r>
             <a:r>
-              <a:rPr lang="pl-PL" dirty="0" err="1" smtClean="0"/>
+              <a:rPr lang="pl-PL" dirty="0" err="1"/>
               <a:t>nav</a:t>
             </a:r>
             <a:r>
-              <a:rPr lang="pl-PL" dirty="0" smtClean="0"/>
+              <a:rPr lang="pl-PL" dirty="0"/>
               <a:t>&gt;</a:t>
             </a:r>
           </a:p>
@@ -4657,7 +5460,7 @@
               <a:buChar char="§"/>
             </a:pPr>
             <a:r>
-              <a:rPr lang="pl-PL" dirty="0" smtClean="0"/>
+              <a:rPr lang="pl-PL" dirty="0"/>
               <a:t>&lt;ul&gt;, &lt;li&gt;, &lt;a&gt;</a:t>
             </a:r>
           </a:p>
@@ -4857,7 +5660,7 @@
           </a:lstStyle>
           <a:p>
             <a:r>
-              <a:rPr lang="pl-PL" dirty="0" smtClean="0"/>
+              <a:rPr lang="pl-PL" dirty="0"/>
               <a:t>CSS</a:t>
             </a:r>
           </a:p>
@@ -4867,10 +5670,10 @@
               <a:buChar char="§"/>
             </a:pPr>
             <a:r>
-              <a:rPr lang="pl-PL" dirty="0" err="1" smtClean="0"/>
+              <a:rPr lang="pl-PL" dirty="0" err="1"/>
               <a:t>flex</a:t>
             </a:r>
-            <a:endParaRPr lang="pl-PL" dirty="0" smtClean="0"/>
+            <a:endParaRPr lang="pl-PL" dirty="0"/>
           </a:p>
           <a:p>
             <a:pPr lvl="1">
@@ -4878,10 +5681,10 @@
               <a:buChar char="§"/>
             </a:pPr>
             <a:r>
-              <a:rPr lang="pl-PL" dirty="0" err="1" smtClean="0"/>
+              <a:rPr lang="pl-PL" dirty="0" err="1"/>
               <a:t>Position</a:t>
             </a:r>
-            <a:endParaRPr lang="pl-PL" dirty="0" smtClean="0"/>
+            <a:endParaRPr lang="pl-PL" dirty="0"/>
           </a:p>
           <a:p>
             <a:pPr lvl="1">
@@ -4889,10 +5692,10 @@
               <a:buChar char="§"/>
             </a:pPr>
             <a:r>
-              <a:rPr lang="pl-PL" dirty="0" err="1" smtClean="0"/>
+              <a:rPr lang="pl-PL" dirty="0" err="1"/>
               <a:t>hover</a:t>
             </a:r>
-            <a:endParaRPr lang="pl-PL" dirty="0" smtClean="0"/>
+            <a:endParaRPr lang="pl-PL" dirty="0"/>
           </a:p>
           <a:p>
             <a:pPr lvl="1">
@@ -4993,13 +5796,6 @@
   <p:clrMapOvr>
     <a:masterClrMapping/>
   </p:clrMapOvr>
-  <p:timing>
-    <p:tnLst>
-      <p:par>
-        <p:cTn id="1" dur="indefinite" restart="never" nodeType="tmRoot"/>
-      </p:par>
-    </p:tnLst>
-  </p:timing>
 </p:sld>
 </file>
 
@@ -5038,14 +5834,11 @@
           <a:lstStyle/>
           <a:p>
             <a:r>
-              <a:rPr lang="pl-PL" sz="4000" dirty="0" smtClean="0">
+              <a:rPr lang="pl-PL" sz="4000" dirty="0">
                 <a:latin typeface="Impact" panose="020B0806030902050204" pitchFamily="34" charset="0"/>
               </a:rPr>
               <a:t>Przykładowa struktura menu</a:t>
             </a:r>
-            <a:endParaRPr lang="pl-PL" sz="4000" dirty="0">
-              <a:latin typeface="Impact" panose="020B0806030902050204" pitchFamily="34" charset="0"/>
-            </a:endParaRPr>
           </a:p>
         </p:txBody>
       </p:sp>
@@ -5109,13 +5902,6 @@
   <p:clrMapOvr>
     <a:masterClrMapping/>
   </p:clrMapOvr>
-  <p:timing>
-    <p:tnLst>
-      <p:par>
-        <p:cTn id="1" dur="indefinite" restart="never" nodeType="tmRoot"/>
-      </p:par>
-    </p:tnLst>
-  </p:timing>
 </p:sld>
 </file>
 
@@ -5159,14 +5945,11 @@
           <a:lstStyle/>
           <a:p>
             <a:r>
-              <a:rPr lang="pl-PL" sz="6000" dirty="0" smtClean="0">
+              <a:rPr lang="pl-PL" sz="6000" dirty="0">
                 <a:latin typeface="Impact" panose="020B0806030902050204" pitchFamily="34" charset="0"/>
               </a:rPr>
               <a:t>Rodzaje menu</a:t>
             </a:r>
-            <a:endParaRPr lang="pl-PL" sz="6000" dirty="0">
-              <a:latin typeface="Impact" panose="020B0806030902050204" pitchFamily="34" charset="0"/>
-            </a:endParaRPr>
           </a:p>
         </p:txBody>
       </p:sp>
@@ -5180,13 +5963,6 @@
   <p:clrMapOvr>
     <a:masterClrMapping/>
   </p:clrMapOvr>
-  <p:timing>
-    <p:tnLst>
-      <p:par>
-        <p:cTn id="1" dur="indefinite" restart="never" nodeType="tmRoot"/>
-      </p:par>
-    </p:tnLst>
-  </p:timing>
 </p:sld>
 </file>
 
@@ -5261,14 +6037,11 @@
           <a:lstStyle/>
           <a:p>
             <a:r>
-              <a:rPr lang="pl-PL" sz="4000" dirty="0" smtClean="0">
+              <a:rPr lang="pl-PL" sz="4000" dirty="0">
                 <a:latin typeface="Impact" panose="020B0806030902050204" pitchFamily="34" charset="0"/>
               </a:rPr>
               <a:t>Menu poziome</a:t>
             </a:r>
-            <a:endParaRPr lang="pl-PL" sz="4000" dirty="0">
-              <a:latin typeface="Impact" panose="020B0806030902050204" pitchFamily="34" charset="0"/>
-            </a:endParaRPr>
           </a:p>
         </p:txBody>
       </p:sp>
@@ -5299,7 +6072,7 @@
               <a:buChar char="v"/>
             </a:pPr>
             <a:r>
-              <a:rPr lang="pl-PL" sz="2400" dirty="0" smtClean="0"/>
+              <a:rPr lang="pl-PL" sz="2400" dirty="0"/>
               <a:t>Ułożone w jednym wierszu</a:t>
             </a:r>
           </a:p>
@@ -5309,7 +6082,7 @@
               <a:buChar char="v"/>
             </a:pPr>
             <a:r>
-              <a:rPr lang="pl-PL" sz="2400" dirty="0" smtClean="0"/>
+              <a:rPr lang="pl-PL" sz="2400" dirty="0"/>
               <a:t>Najczęściej na górze strony</a:t>
             </a:r>
           </a:p>
@@ -5319,7 +6092,7 @@
               <a:buChar char="v"/>
             </a:pPr>
             <a:r>
-              <a:rPr lang="pl-PL" sz="2400" dirty="0" smtClean="0"/>
+              <a:rPr lang="pl-PL" sz="2400" dirty="0"/>
               <a:t>Popularne w stronach firmowych i blogach</a:t>
             </a:r>
           </a:p>
@@ -5329,7 +6102,7 @@
               <a:buChar char="v"/>
             </a:pPr>
             <a:r>
-              <a:rPr lang="pl-PL" sz="2400" dirty="0" smtClean="0"/>
+              <a:rPr lang="pl-PL" sz="2400" dirty="0"/>
               <a:t>Zalety:</a:t>
             </a:r>
           </a:p>
@@ -5339,7 +6112,7 @@
               <a:buChar char="Ø"/>
             </a:pPr>
             <a:r>
-              <a:rPr lang="pl-PL" sz="1600" dirty="0" smtClean="0"/>
+              <a:rPr lang="pl-PL" sz="1600" dirty="0"/>
               <a:t>Zajmuje mało miejsca</a:t>
             </a:r>
           </a:p>
@@ -5349,7 +6122,7 @@
               <a:buChar char="Ø"/>
             </a:pPr>
             <a:r>
-              <a:rPr lang="pl-PL" sz="1600" dirty="0" smtClean="0"/>
+              <a:rPr lang="pl-PL" sz="1600" dirty="0"/>
               <a:t>Czytelne</a:t>
             </a:r>
           </a:p>
@@ -5359,7 +6132,7 @@
               <a:buChar char="Ø"/>
             </a:pPr>
             <a:r>
-              <a:rPr lang="pl-PL" sz="1600" dirty="0" smtClean="0"/>
+              <a:rPr lang="pl-PL" sz="1600" dirty="0"/>
               <a:t>Łatwe w obsłudze</a:t>
             </a:r>
           </a:p>
@@ -5369,7 +6142,7 @@
               <a:buChar char="v"/>
             </a:pPr>
             <a:r>
-              <a:rPr lang="pl-PL" sz="2400" dirty="0" smtClean="0"/>
+              <a:rPr lang="pl-PL" sz="2400" dirty="0"/>
               <a:t>Wady:</a:t>
             </a:r>
           </a:p>
@@ -5379,7 +6152,7 @@
               <a:buChar char="Ø"/>
             </a:pPr>
             <a:r>
-              <a:rPr lang="pl-PL" sz="1600" dirty="0" smtClean="0"/>
+              <a:rPr lang="pl-PL" sz="1600" dirty="0"/>
               <a:t>Ograniczona liczba elementów</a:t>
             </a:r>
           </a:p>
@@ -5389,7 +6162,7 @@
               <a:buChar char="Ø"/>
             </a:pPr>
             <a:r>
-              <a:rPr lang="pl-PL" sz="1600" dirty="0" smtClean="0"/>
+              <a:rPr lang="pl-PL" sz="1600" dirty="0"/>
               <a:t>Słabo widoczne na małych ekranach (bez RWD)</a:t>
             </a:r>
           </a:p>
@@ -5398,7 +6171,7 @@
               <a:buFont typeface="Wingdings" panose="05000000000000000000" pitchFamily="2" charset="2"/>
               <a:buChar char="Ø"/>
             </a:pPr>
-            <a:endParaRPr lang="pl-PL" sz="2000" dirty="0" smtClean="0"/>
+            <a:endParaRPr lang="pl-PL" sz="2000" dirty="0"/>
           </a:p>
         </p:txBody>
       </p:sp>
@@ -5412,13 +6185,6 @@
   <p:clrMapOvr>
     <a:masterClrMapping/>
   </p:clrMapOvr>
-  <p:timing>
-    <p:tnLst>
-      <p:par>
-        <p:cTn id="1" dur="indefinite" restart="never" nodeType="tmRoot"/>
-      </p:par>
-    </p:tnLst>
-  </p:timing>
 </p:sld>
 </file>
 
@@ -5457,14 +6223,11 @@
           <a:lstStyle/>
           <a:p>
             <a:r>
-              <a:rPr lang="pl-PL" sz="4000" dirty="0" smtClean="0">
+              <a:rPr lang="pl-PL" sz="4000" dirty="0">
                 <a:latin typeface="Impact" panose="020B0806030902050204" pitchFamily="34" charset="0"/>
               </a:rPr>
               <a:t>Menu poziome - ćwiczenie</a:t>
             </a:r>
-            <a:endParaRPr lang="pl-PL" sz="4000" dirty="0">
-              <a:latin typeface="Impact" panose="020B0806030902050204" pitchFamily="34" charset="0"/>
-            </a:endParaRPr>
           </a:p>
         </p:txBody>
       </p:sp>
@@ -5490,35 +6253,35 @@
               <a:buAutoNum type="arabicPeriod"/>
             </a:pPr>
             <a:r>
-              <a:rPr lang="pl-PL" dirty="0" smtClean="0"/>
+              <a:rPr lang="pl-PL" dirty="0"/>
               <a:t>Stwórz menu poziome z linkami:</a:t>
             </a:r>
           </a:p>
           <a:p>
             <a:pPr lvl="1"/>
             <a:r>
-              <a:rPr lang="pl-PL" dirty="0" smtClean="0"/>
+              <a:rPr lang="pl-PL" dirty="0"/>
               <a:t>Start</a:t>
             </a:r>
           </a:p>
           <a:p>
             <a:pPr lvl="1"/>
             <a:r>
-              <a:rPr lang="pl-PL" dirty="0" smtClean="0"/>
+              <a:rPr lang="pl-PL" dirty="0"/>
               <a:t>Oferta</a:t>
             </a:r>
           </a:p>
           <a:p>
             <a:pPr lvl="1"/>
             <a:r>
-              <a:rPr lang="pl-PL" dirty="0" smtClean="0"/>
+              <a:rPr lang="pl-PL" dirty="0"/>
               <a:t>Galeria</a:t>
             </a:r>
           </a:p>
           <a:p>
             <a:pPr lvl="1"/>
             <a:r>
-              <a:rPr lang="pl-PL" dirty="0" smtClean="0"/>
+              <a:rPr lang="pl-PL" dirty="0"/>
               <a:t>Kontakt</a:t>
             </a:r>
           </a:p>
@@ -5528,7 +6291,7 @@
               <a:buAutoNum type="arabicPeriod"/>
             </a:pPr>
             <a:r>
-              <a:rPr lang="pl-PL" dirty="0" smtClean="0"/>
+              <a:rPr lang="pl-PL" dirty="0"/>
               <a:t>Menu na górze strony</a:t>
             </a:r>
           </a:p>
@@ -5538,7 +6301,7 @@
               <a:buAutoNum type="arabicPeriod"/>
             </a:pPr>
             <a:r>
-              <a:rPr lang="pl-PL" dirty="0" smtClean="0"/>
+              <a:rPr lang="pl-PL" dirty="0"/>
               <a:t>Po najechaniu na link zmienia się kolor jego tła</a:t>
             </a:r>
           </a:p>
@@ -5548,7 +6311,7 @@
               <a:buAutoNum type="arabicPeriod"/>
             </a:pPr>
             <a:r>
-              <a:rPr lang="pl-PL" dirty="0" smtClean="0"/>
+              <a:rPr lang="pl-PL" dirty="0"/>
               <a:t>Każda osoba ma wybrać własny kolor</a:t>
             </a:r>
           </a:p>
@@ -5559,17 +6322,13 @@
             </a:pPr>
             <a:r>
               <a:rPr lang="pl-PL" dirty="0"/>
-              <a:t>Z</a:t>
-            </a:r>
-            <a:r>
-              <a:rPr lang="pl-PL" dirty="0" smtClean="0"/>
-              <a:t>naczniki semantyczne </a:t>
-            </a:r>
-            <a:r>
-              <a:rPr lang="pl-PL" dirty="0" err="1" smtClean="0"/>
+              <a:t>Znaczniki semantyczne </a:t>
+            </a:r>
+            <a:r>
+              <a:rPr lang="pl-PL" dirty="0" err="1"/>
               <a:t>html</a:t>
             </a:r>
-            <a:endParaRPr lang="pl-PL" dirty="0" smtClean="0"/>
+            <a:endParaRPr lang="pl-PL" dirty="0"/>
           </a:p>
         </p:txBody>
       </p:sp>
@@ -5583,13 +6342,6 @@
   <p:clrMapOvr>
     <a:masterClrMapping/>
   </p:clrMapOvr>
-  <p:timing>
-    <p:tnLst>
-      <p:par>
-        <p:cTn id="1" dur="indefinite" restart="never" nodeType="tmRoot"/>
-      </p:par>
-    </p:tnLst>
-  </p:timing>
 </p:sld>
 </file>
 
@@ -5664,14 +6416,11 @@
           <a:lstStyle/>
           <a:p>
             <a:r>
-              <a:rPr lang="pl-PL" sz="4000" dirty="0" smtClean="0">
+              <a:rPr lang="pl-PL" sz="4000" dirty="0">
                 <a:latin typeface="Impact" panose="020B0806030902050204" pitchFamily="34" charset="0"/>
               </a:rPr>
               <a:t>Menu pionowe</a:t>
             </a:r>
-            <a:endParaRPr lang="pl-PL" sz="4000" dirty="0">
-              <a:latin typeface="Impact" panose="020B0806030902050204" pitchFamily="34" charset="0"/>
-            </a:endParaRPr>
           </a:p>
         </p:txBody>
       </p:sp>
@@ -5702,7 +6451,7 @@
               <a:buChar char="v"/>
             </a:pPr>
             <a:r>
-              <a:rPr lang="pl-PL" sz="2400" dirty="0" smtClean="0"/>
+              <a:rPr lang="pl-PL" sz="2400" dirty="0"/>
               <a:t>Ułożone w kolumnie</a:t>
             </a:r>
           </a:p>
@@ -5712,7 +6461,7 @@
               <a:buChar char="v"/>
             </a:pPr>
             <a:r>
-              <a:rPr lang="pl-PL" sz="2400" dirty="0" smtClean="0"/>
+              <a:rPr lang="pl-PL" sz="2400" dirty="0"/>
               <a:t>Najczęściej po lewej lub prawej stronie</a:t>
             </a:r>
           </a:p>
@@ -5722,7 +6471,7 @@
               <a:buChar char="v"/>
             </a:pPr>
             <a:r>
-              <a:rPr lang="pl-PL" sz="2400" dirty="0" smtClean="0"/>
+              <a:rPr lang="pl-PL" sz="2400" dirty="0"/>
               <a:t>Zalety:</a:t>
             </a:r>
           </a:p>
@@ -5732,7 +6481,7 @@
               <a:buChar char="Ø"/>
             </a:pPr>
             <a:r>
-              <a:rPr lang="pl-PL" sz="1600" dirty="0" smtClean="0"/>
+              <a:rPr lang="pl-PL" sz="1600" dirty="0"/>
               <a:t>Dużo miejsca na linki</a:t>
             </a:r>
           </a:p>
@@ -5742,7 +6491,7 @@
               <a:buChar char="Ø"/>
             </a:pPr>
             <a:r>
-              <a:rPr lang="pl-PL" sz="1600" dirty="0" smtClean="0"/>
+              <a:rPr lang="pl-PL" sz="1600" dirty="0"/>
               <a:t>Dobre dla paneli administracyjnych</a:t>
             </a:r>
           </a:p>
@@ -5752,7 +6501,7 @@
               <a:buChar char="v"/>
             </a:pPr>
             <a:r>
-              <a:rPr lang="pl-PL" sz="2400" dirty="0" smtClean="0"/>
+              <a:rPr lang="pl-PL" sz="2400" dirty="0"/>
               <a:t>Wady:</a:t>
             </a:r>
           </a:p>
@@ -5762,7 +6511,7 @@
               <a:buChar char="Ø"/>
             </a:pPr>
             <a:r>
-              <a:rPr lang="pl-PL" sz="1600" dirty="0" smtClean="0"/>
+              <a:rPr lang="pl-PL" sz="1600" dirty="0"/>
               <a:t>Ogranicza miejsce na treść strony</a:t>
             </a:r>
           </a:p>
@@ -5771,7 +6520,7 @@
               <a:buFont typeface="Wingdings" panose="05000000000000000000" pitchFamily="2" charset="2"/>
               <a:buChar char="Ø"/>
             </a:pPr>
-            <a:endParaRPr lang="pl-PL" sz="2000" dirty="0" smtClean="0"/>
+            <a:endParaRPr lang="pl-PL" sz="2000" dirty="0"/>
           </a:p>
         </p:txBody>
       </p:sp>
@@ -5785,13 +6534,6 @@
   <p:clrMapOvr>
     <a:masterClrMapping/>
   </p:clrMapOvr>
-  <p:timing>
-    <p:tnLst>
-      <p:par>
-        <p:cTn id="1" dur="indefinite" restart="never" nodeType="tmRoot"/>
-      </p:par>
-    </p:tnLst>
-  </p:timing>
 </p:sld>
 </file>
 
@@ -5830,14 +6572,11 @@
           <a:lstStyle/>
           <a:p>
             <a:r>
-              <a:rPr lang="pl-PL" sz="4000" dirty="0" smtClean="0">
+              <a:rPr lang="pl-PL" sz="4000" dirty="0">
                 <a:latin typeface="Impact" panose="020B0806030902050204" pitchFamily="34" charset="0"/>
               </a:rPr>
               <a:t>Menu pionowe - ćwiczenie</a:t>
             </a:r>
-            <a:endParaRPr lang="pl-PL" sz="4000" dirty="0">
-              <a:latin typeface="Impact" panose="020B0806030902050204" pitchFamily="34" charset="0"/>
-            </a:endParaRPr>
           </a:p>
         </p:txBody>
       </p:sp>
@@ -5863,35 +6602,35 @@
               <a:buAutoNum type="arabicPeriod"/>
             </a:pPr>
             <a:r>
-              <a:rPr lang="pl-PL" dirty="0" smtClean="0"/>
+              <a:rPr lang="pl-PL" dirty="0"/>
               <a:t>Stwórz menu pionowe z linkami:</a:t>
             </a:r>
           </a:p>
           <a:p>
             <a:pPr lvl="1"/>
             <a:r>
-              <a:rPr lang="pl-PL" dirty="0" smtClean="0"/>
+              <a:rPr lang="pl-PL" dirty="0"/>
               <a:t>Panel</a:t>
             </a:r>
           </a:p>
           <a:p>
             <a:pPr lvl="1"/>
             <a:r>
-              <a:rPr lang="pl-PL" dirty="0" smtClean="0"/>
+              <a:rPr lang="pl-PL" dirty="0"/>
               <a:t>Użytkownicy</a:t>
             </a:r>
           </a:p>
           <a:p>
             <a:pPr lvl="1"/>
             <a:r>
-              <a:rPr lang="pl-PL" dirty="0" smtClean="0"/>
+              <a:rPr lang="pl-PL" dirty="0"/>
               <a:t>Ustawienia</a:t>
             </a:r>
           </a:p>
           <a:p>
             <a:pPr lvl="1"/>
             <a:r>
-              <a:rPr lang="pl-PL" dirty="0" smtClean="0"/>
+              <a:rPr lang="pl-PL" dirty="0"/>
               <a:t>Wyloguj</a:t>
             </a:r>
           </a:p>
@@ -5901,7 +6640,7 @@
               <a:buAutoNum type="arabicPeriod"/>
             </a:pPr>
             <a:r>
-              <a:rPr lang="pl-PL" dirty="0" smtClean="0"/>
+              <a:rPr lang="pl-PL" dirty="0"/>
               <a:t>Menu po lewej stronie</a:t>
             </a:r>
           </a:p>
@@ -5911,7 +6650,7 @@
               <a:buAutoNum type="arabicPeriod"/>
             </a:pPr>
             <a:r>
-              <a:rPr lang="pl-PL" dirty="0" smtClean="0"/>
+              <a:rPr lang="pl-PL" dirty="0"/>
               <a:t>Ma być treść strony, która znajduje się obok menu</a:t>
             </a:r>
           </a:p>
@@ -5921,7 +6660,7 @@
               <a:buAutoNum type="arabicPeriod"/>
             </a:pPr>
             <a:r>
-              <a:rPr lang="pl-PL" dirty="0" smtClean="0"/>
+              <a:rPr lang="pl-PL" dirty="0"/>
               <a:t>Każda osoba ma wybrać własny kolor tematyczny</a:t>
             </a:r>
           </a:p>
@@ -5931,14 +6670,14 @@
               <a:buAutoNum type="arabicPeriod"/>
             </a:pPr>
             <a:r>
-              <a:rPr lang="pl-PL" dirty="0" smtClean="0"/>
+              <a:rPr lang="pl-PL" dirty="0"/>
               <a:t>Stała szerokość, menu w tym samym miejscu podczas </a:t>
             </a:r>
             <a:r>
-              <a:rPr lang="pl-PL" dirty="0" err="1" smtClean="0"/>
+              <a:rPr lang="pl-PL" dirty="0" err="1"/>
               <a:t>scrolla</a:t>
             </a:r>
-            <a:endParaRPr lang="pl-PL" dirty="0" smtClean="0"/>
+            <a:endParaRPr lang="pl-PL" dirty="0"/>
           </a:p>
           <a:p>
             <a:pPr marL="514350" indent="-514350">
@@ -5946,7 +6685,7 @@
               <a:buAutoNum type="arabicPeriod"/>
             </a:pPr>
             <a:r>
-              <a:rPr lang="pl-PL" dirty="0" smtClean="0"/>
+              <a:rPr lang="pl-PL" dirty="0"/>
               <a:t>Link „wyloguj” na samym końcu menu</a:t>
             </a:r>
           </a:p>
@@ -5957,17 +6696,13 @@
             </a:pPr>
             <a:r>
               <a:rPr lang="pl-PL" dirty="0"/>
-              <a:t>Z</a:t>
-            </a:r>
-            <a:r>
-              <a:rPr lang="pl-PL" dirty="0" smtClean="0"/>
-              <a:t>naczniki semantyczne </a:t>
-            </a:r>
-            <a:r>
-              <a:rPr lang="pl-PL" dirty="0" err="1" smtClean="0"/>
+              <a:t>Znaczniki semantyczne </a:t>
+            </a:r>
+            <a:r>
+              <a:rPr lang="pl-PL" dirty="0" err="1"/>
               <a:t>html</a:t>
             </a:r>
-            <a:endParaRPr lang="pl-PL" dirty="0" smtClean="0"/>
+            <a:endParaRPr lang="pl-PL" dirty="0"/>
           </a:p>
         </p:txBody>
       </p:sp>
@@ -5981,13 +6716,6 @@
   <p:clrMapOvr>
     <a:masterClrMapping/>
   </p:clrMapOvr>
-  <p:timing>
-    <p:tnLst>
-      <p:par>
-        <p:cTn id="1" dur="indefinite" restart="never" nodeType="tmRoot"/>
-      </p:par>
-    </p:tnLst>
-  </p:timing>
 </p:sld>
 </file>
 
